--- a/assets/files/Presentation.pptx
+++ b/assets/files/Presentation.pptx
@@ -7,6 +7,11 @@
   <p:sldIdLst>
     <p:sldId id="256" r:id="rId2"/>
     <p:sldId id="257" r:id="rId3"/>
+    <p:sldId id="258" r:id="rId4"/>
+    <p:sldId id="259" r:id="rId5"/>
+    <p:sldId id="260" r:id="rId6"/>
+    <p:sldId id="261" r:id="rId7"/>
+    <p:sldId id="262" r:id="rId8"/>
   </p:sldIdLst>
   <p:sldSz cx="12192000" cy="6858000"/>
   <p:notesSz cx="6858000" cy="9144000"/>
@@ -105,6 +110,11 @@
       </a:defRPr>
     </a:lvl9pPr>
   </p:defaultTextStyle>
+  <p:extLst>
+    <p:ext uri="{EFAFB233-063F-42B5-8137-9DF3F51BA10A}">
+      <p15:sldGuideLst xmlns:p15="http://schemas.microsoft.com/office/powerpoint/2012/main"/>
+    </p:ext>
+  </p:extLst>
 </p:presentation>
 </file>
 
@@ -322,7 +332,7 @@
             <a:fld id="{B61BEF0D-F0BB-DE4B-95CE-6DB70DBA9567}" type="datetimeFigureOut">
               <a:rPr lang="en-US" dirty="0"/>
               <a:pPr/>
-              <a:t>9/12/19</a:t>
+              <a:t>9/17/19</a:t>
             </a:fld>
             <a:endParaRPr lang="en-US" dirty="0"/>
           </a:p>
@@ -610,7 +620,7 @@
             <a:fld id="{B61BEF0D-F0BB-DE4B-95CE-6DB70DBA9567}" type="datetimeFigureOut">
               <a:rPr lang="en-US" dirty="0"/>
               <a:pPr/>
-              <a:t>9/12/19</a:t>
+              <a:t>9/17/19</a:t>
             </a:fld>
             <a:endParaRPr lang="en-US" dirty="0"/>
           </a:p>
@@ -866,7 +876,7 @@
             <a:fld id="{B61BEF0D-F0BB-DE4B-95CE-6DB70DBA9567}" type="datetimeFigureOut">
               <a:rPr lang="en-US" dirty="0"/>
               <a:pPr/>
-              <a:t>9/12/19</a:t>
+              <a:t>9/17/19</a:t>
             </a:fld>
             <a:endParaRPr lang="en-US" dirty="0"/>
           </a:p>
@@ -1332,7 +1342,7 @@
             <a:fld id="{B61BEF0D-F0BB-DE4B-95CE-6DB70DBA9567}" type="datetimeFigureOut">
               <a:rPr lang="en-US" dirty="0"/>
               <a:pPr/>
-              <a:t>9/12/19</a:t>
+              <a:t>9/17/19</a:t>
             </a:fld>
             <a:endParaRPr lang="en-US" dirty="0"/>
           </a:p>
@@ -1509,7 +1519,7 @@
             <a:fld id="{B61BEF0D-F0BB-DE4B-95CE-6DB70DBA9567}" type="datetimeFigureOut">
               <a:rPr lang="en-US" dirty="0"/>
               <a:pPr/>
-              <a:t>9/12/19</a:t>
+              <a:t>9/17/19</a:t>
             </a:fld>
             <a:endParaRPr lang="en-US" dirty="0"/>
           </a:p>
@@ -2082,7 +2092,7 @@
             <a:fld id="{B61BEF0D-F0BB-DE4B-95CE-6DB70DBA9567}" type="datetimeFigureOut">
               <a:rPr lang="en-US" dirty="0"/>
               <a:pPr/>
-              <a:t>9/12/19</a:t>
+              <a:t>9/17/19</a:t>
             </a:fld>
             <a:endParaRPr lang="en-US" dirty="0"/>
           </a:p>
@@ -2411,7 +2421,7 @@
             <a:fld id="{B61BEF0D-F0BB-DE4B-95CE-6DB70DBA9567}" type="datetimeFigureOut">
               <a:rPr lang="en-US" dirty="0"/>
               <a:pPr/>
-              <a:t>9/12/19</a:t>
+              <a:t>9/17/19</a:t>
             </a:fld>
             <a:endParaRPr lang="en-US" dirty="0"/>
           </a:p>
@@ -2583,7 +2593,7 @@
             <a:fld id="{B61BEF0D-F0BB-DE4B-95CE-6DB70DBA9567}" type="datetimeFigureOut">
               <a:rPr lang="en-US" dirty="0"/>
               <a:pPr/>
-              <a:t>9/12/19</a:t>
+              <a:t>9/17/19</a:t>
             </a:fld>
             <a:endParaRPr lang="en-US" dirty="0"/>
           </a:p>
@@ -2760,7 +2770,7 @@
             <a:fld id="{B61BEF0D-F0BB-DE4B-95CE-6DB70DBA9567}" type="datetimeFigureOut">
               <a:rPr lang="en-US" dirty="0"/>
               <a:pPr/>
-              <a:t>9/12/19</a:t>
+              <a:t>9/17/19</a:t>
             </a:fld>
             <a:endParaRPr lang="en-US" dirty="0"/>
           </a:p>
@@ -2927,7 +2937,7 @@
             <a:fld id="{B61BEF0D-F0BB-DE4B-95CE-6DB70DBA9567}" type="datetimeFigureOut">
               <a:rPr lang="en-US" dirty="0"/>
               <a:pPr/>
-              <a:t>9/12/19</a:t>
+              <a:t>9/17/19</a:t>
             </a:fld>
             <a:endParaRPr lang="en-US" dirty="0"/>
           </a:p>
@@ -3181,7 +3191,7 @@
             <a:fld id="{B61BEF0D-F0BB-DE4B-95CE-6DB70DBA9567}" type="datetimeFigureOut">
               <a:rPr lang="en-US" dirty="0"/>
               <a:pPr/>
-              <a:t>9/12/19</a:t>
+              <a:t>9/17/19</a:t>
             </a:fld>
             <a:endParaRPr lang="en-US" dirty="0"/>
           </a:p>
@@ -3470,7 +3480,7 @@
             <a:fld id="{B61BEF0D-F0BB-DE4B-95CE-6DB70DBA9567}" type="datetimeFigureOut">
               <a:rPr lang="en-US" dirty="0"/>
               <a:pPr/>
-              <a:t>9/12/19</a:t>
+              <a:t>9/17/19</a:t>
             </a:fld>
             <a:endParaRPr lang="en-US" dirty="0"/>
           </a:p>
@@ -3897,7 +3907,7 @@
             <a:fld id="{B61BEF0D-F0BB-DE4B-95CE-6DB70DBA9567}" type="datetimeFigureOut">
               <a:rPr lang="en-US" dirty="0"/>
               <a:pPr/>
-              <a:t>9/12/19</a:t>
+              <a:t>9/17/19</a:t>
             </a:fld>
             <a:endParaRPr lang="en-US" dirty="0"/>
           </a:p>
@@ -4012,7 +4022,7 @@
             <a:fld id="{B61BEF0D-F0BB-DE4B-95CE-6DB70DBA9567}" type="datetimeFigureOut">
               <a:rPr lang="en-US" dirty="0"/>
               <a:pPr/>
-              <a:t>9/12/19</a:t>
+              <a:t>9/17/19</a:t>
             </a:fld>
             <a:endParaRPr lang="en-US" dirty="0"/>
           </a:p>
@@ -4104,7 +4114,7 @@
             <a:fld id="{B61BEF0D-F0BB-DE4B-95CE-6DB70DBA9567}" type="datetimeFigureOut">
               <a:rPr lang="en-US" dirty="0"/>
               <a:pPr/>
-              <a:t>9/12/19</a:t>
+              <a:t>9/17/19</a:t>
             </a:fld>
             <a:endParaRPr lang="en-US" dirty="0"/>
           </a:p>
@@ -4384,7 +4394,7 @@
             <a:fld id="{B61BEF0D-F0BB-DE4B-95CE-6DB70DBA9567}" type="datetimeFigureOut">
               <a:rPr lang="en-US" dirty="0"/>
               <a:pPr/>
-              <a:t>9/12/19</a:t>
+              <a:t>9/17/19</a:t>
             </a:fld>
             <a:endParaRPr lang="en-US" dirty="0"/>
           </a:p>
@@ -4672,7 +4682,7 @@
             <a:fld id="{B61BEF0D-F0BB-DE4B-95CE-6DB70DBA9567}" type="datetimeFigureOut">
               <a:rPr lang="en-US" dirty="0"/>
               <a:pPr/>
-              <a:t>9/12/19</a:t>
+              <a:t>9/17/19</a:t>
             </a:fld>
             <a:endParaRPr lang="en-US" dirty="0"/>
           </a:p>
@@ -4900,7 +4910,7 @@
             <a:fld id="{B61BEF0D-F0BB-DE4B-95CE-6DB70DBA9567}" type="datetimeFigureOut">
               <a:rPr lang="en-US" dirty="0"/>
               <a:pPr/>
-              <a:t>9/12/19</a:t>
+              <a:t>9/17/19</a:t>
             </a:fld>
             <a:endParaRPr lang="en-US" dirty="0"/>
           </a:p>
@@ -5688,7 +5698,7 @@
           <a:p>
             <a:r>
               <a:rPr lang="en-US" dirty="0"/>
-              <a:t>Some of my hobbies</a:t>
+              <a:t>Television Shows</a:t>
             </a:r>
           </a:p>
         </p:txBody>
@@ -5784,18 +5794,16 @@
           </a:xfrm>
         </p:spPr>
         <p:txBody>
-          <a:bodyPr/>
+          <a:bodyPr>
+            <a:normAutofit/>
+          </a:bodyPr>
           <a:lstStyle/>
           <a:p>
-            <a:r>
-              <a:rPr lang="en-US" dirty="0"/>
-              <a:t>TV </a:t>
-            </a:r>
-            <a:r>
-              <a:rPr lang="en-US" dirty="0" err="1"/>
-              <a:t>SHows</a:t>
-            </a:r>
-            <a:endParaRPr lang="en-US" dirty="0"/>
+            <a:pPr algn="ctr"/>
+            <a:r>
+              <a:rPr lang="en-US" sz="4000" b="1" dirty="0"/>
+              <a:t>Television Shows:</a:t>
+            </a:r>
           </a:p>
         </p:txBody>
       </p:sp>
@@ -5822,13 +5830,246 @@
           </a:xfrm>
         </p:spPr>
         <p:txBody>
-          <a:bodyPr/>
+          <a:bodyPr>
+            <a:normAutofit/>
+          </a:bodyPr>
           <a:lstStyle/>
           <a:p>
-            <a:endParaRPr lang="en-US" dirty="0"/>
-          </a:p>
-        </p:txBody>
-      </p:sp>
+            <a:pPr algn="ctr"/>
+            <a:r>
+              <a:rPr lang="en-US" sz="4000" b="1" i="1" dirty="0">
+                <a:solidFill>
+                  <a:srgbClr val="FF0000"/>
+                </a:solidFill>
+              </a:rPr>
+              <a:t>Criminal Minds</a:t>
+            </a:r>
+            <a:br>
+              <a:rPr lang="en-US" sz="4000" b="1" i="1" dirty="0">
+                <a:solidFill>
+                  <a:srgbClr val="FF0000"/>
+                </a:solidFill>
+              </a:rPr>
+            </a:br>
+            <a:br>
+              <a:rPr lang="en-US" sz="4000" b="1" i="1" dirty="0">
+                <a:solidFill>
+                  <a:srgbClr val="FF0000"/>
+                </a:solidFill>
+              </a:rPr>
+            </a:br>
+            <a:br>
+              <a:rPr lang="en-US" sz="4000" b="1" i="1" dirty="0">
+                <a:solidFill>
+                  <a:srgbClr val="FF0000"/>
+                </a:solidFill>
+              </a:rPr>
+            </a:br>
+            <a:br>
+              <a:rPr lang="en-US" sz="4000" b="1" i="1" dirty="0">
+                <a:solidFill>
+                  <a:srgbClr val="FF0000"/>
+                </a:solidFill>
+              </a:rPr>
+            </a:br>
+            <a:br>
+              <a:rPr lang="en-US" sz="4000" b="1" i="1" dirty="0">
+                <a:solidFill>
+                  <a:srgbClr val="FF0000"/>
+                </a:solidFill>
+              </a:rPr>
+            </a:br>
+            <a:br>
+              <a:rPr lang="en-US" sz="4000" b="1" i="1" dirty="0">
+                <a:solidFill>
+                  <a:srgbClr val="FF0000"/>
+                </a:solidFill>
+              </a:rPr>
+            </a:br>
+            <a:br>
+              <a:rPr lang="en-US" sz="4000" b="1" i="1" dirty="0">
+                <a:solidFill>
+                  <a:srgbClr val="FF0000"/>
+                </a:solidFill>
+              </a:rPr>
+            </a:br>
+            <a:endParaRPr lang="en-US" sz="4000" b="1" i="1" dirty="0">
+              <a:solidFill>
+                <a:srgbClr val="FF0000"/>
+              </a:solidFill>
+            </a:endParaRPr>
+          </a:p>
+        </p:txBody>
+      </p:sp>
+      <p:sp>
+        <p:nvSpPr>
+          <p:cNvPr id="4" name="Title 1">
+            <a:extLst>
+              <a:ext uri="{FF2B5EF4-FFF2-40B4-BE49-F238E27FC236}">
+                <a16:creationId xmlns:a16="http://schemas.microsoft.com/office/drawing/2014/main" id="{5EBFDC05-0EBF-2C45-A54D-F0011F7BF225}"/>
+              </a:ext>
+            </a:extLst>
+          </p:cNvPr>
+          <p:cNvSpPr txBox="1">
+            <a:spLocks/>
+          </p:cNvSpPr>
+          <p:nvPr/>
+        </p:nvSpPr>
+        <p:spPr>
+          <a:xfrm>
+            <a:off x="1141413" y="-113386"/>
+            <a:ext cx="9905998" cy="1905000"/>
+          </a:xfrm>
+          <a:prstGeom prst="rect">
+            <a:avLst/>
+          </a:prstGeom>
+        </p:spPr>
+        <p:txBody>
+          <a:bodyPr vert="horz" lIns="91440" tIns="45720" rIns="91440" bIns="45720" rtlCol="0" anchor="ctr">
+            <a:normAutofit/>
+          </a:bodyPr>
+          <a:lstStyle>
+            <a:lvl1pPr algn="l" defTabSz="457200" rtl="0" eaLnBrk="1" latinLnBrk="0" hangingPunct="1">
+              <a:spcBef>
+                <a:spcPct val="0"/>
+              </a:spcBef>
+              <a:buNone/>
+              <a:defRPr sz="3200" kern="1200" cap="all">
+                <a:ln w="3175" cmpd="sng">
+                  <a:noFill/>
+                </a:ln>
+                <a:gradFill flip="none" rotWithShape="1">
+                  <a:gsLst>
+                    <a:gs pos="0">
+                      <a:schemeClr val="tx1"/>
+                    </a:gs>
+                    <a:gs pos="100000">
+                      <a:schemeClr val="tx1">
+                        <a:lumMod val="65000"/>
+                      </a:schemeClr>
+                    </a:gs>
+                  </a:gsLst>
+                  <a:lin ang="5580000" scaled="0"/>
+                  <a:tileRect/>
+                </a:gradFill>
+                <a:effectLst>
+                  <a:glow rad="38100">
+                    <a:schemeClr val="bg1">
+                      <a:lumMod val="65000"/>
+                      <a:lumOff val="35000"/>
+                      <a:alpha val="40000"/>
+                    </a:schemeClr>
+                  </a:glow>
+                  <a:outerShdw blurRad="28575" dist="38100" dir="14040000" algn="tl" rotWithShape="0">
+                    <a:srgbClr val="000000">
+                      <a:alpha val="25000"/>
+                    </a:srgbClr>
+                  </a:outerShdw>
+                </a:effectLst>
+                <a:latin typeface="+mj-lt"/>
+                <a:ea typeface="+mj-ea"/>
+                <a:cs typeface="+mj-cs"/>
+              </a:defRPr>
+            </a:lvl1pPr>
+            <a:lvl2pPr eaLnBrk="1" hangingPunct="1">
+              <a:defRPr>
+                <a:solidFill>
+                  <a:schemeClr val="tx2"/>
+                </a:solidFill>
+              </a:defRPr>
+            </a:lvl2pPr>
+            <a:lvl3pPr eaLnBrk="1" hangingPunct="1">
+              <a:defRPr>
+                <a:solidFill>
+                  <a:schemeClr val="tx2"/>
+                </a:solidFill>
+              </a:defRPr>
+            </a:lvl3pPr>
+            <a:lvl4pPr eaLnBrk="1" hangingPunct="1">
+              <a:defRPr>
+                <a:solidFill>
+                  <a:schemeClr val="tx2"/>
+                </a:solidFill>
+              </a:defRPr>
+            </a:lvl4pPr>
+            <a:lvl5pPr eaLnBrk="1" hangingPunct="1">
+              <a:defRPr>
+                <a:solidFill>
+                  <a:schemeClr val="tx2"/>
+                </a:solidFill>
+              </a:defRPr>
+            </a:lvl5pPr>
+            <a:lvl6pPr eaLnBrk="1" hangingPunct="1">
+              <a:defRPr>
+                <a:solidFill>
+                  <a:schemeClr val="tx2"/>
+                </a:solidFill>
+              </a:defRPr>
+            </a:lvl6pPr>
+            <a:lvl7pPr eaLnBrk="1" hangingPunct="1">
+              <a:defRPr>
+                <a:solidFill>
+                  <a:schemeClr val="tx2"/>
+                </a:solidFill>
+              </a:defRPr>
+            </a:lvl7pPr>
+            <a:lvl8pPr eaLnBrk="1" hangingPunct="1">
+              <a:defRPr>
+                <a:solidFill>
+                  <a:schemeClr val="tx2"/>
+                </a:solidFill>
+              </a:defRPr>
+            </a:lvl8pPr>
+            <a:lvl9pPr eaLnBrk="1" hangingPunct="1">
+              <a:defRPr>
+                <a:solidFill>
+                  <a:schemeClr val="tx2"/>
+                </a:solidFill>
+              </a:defRPr>
+            </a:lvl9pPr>
+          </a:lstStyle>
+          <a:p>
+            <a:pPr algn="ctr"/>
+            <a:r>
+              <a:rPr lang="en-US" sz="4000" b="1" i="1" dirty="0"/>
+              <a:t>Crime</a:t>
+            </a:r>
+          </a:p>
+        </p:txBody>
+      </p:sp>
+      <p:pic>
+        <p:nvPicPr>
+          <p:cNvPr id="5" name="Online Media 4" descr="Top 10 Most Disturbing Criminal Minds Cases">
+            <a:hlinkClick r:id="" action="ppaction://media"/>
+            <a:extLst>
+              <a:ext uri="{FF2B5EF4-FFF2-40B4-BE49-F238E27FC236}">
+                <a16:creationId xmlns:a16="http://schemas.microsoft.com/office/drawing/2014/main" id="{5D3E6077-BA0E-8F49-B2F8-5A318F7E5F1A}"/>
+              </a:ext>
+            </a:extLst>
+          </p:cNvPr>
+          <p:cNvPicPr>
+            <a:picLocks noRot="1" noChangeAspect="1"/>
+          </p:cNvPicPr>
+          <p:nvPr>
+            <a:videoFile r:link="rId1"/>
+          </p:nvPr>
+        </p:nvPicPr>
+        <p:blipFill>
+          <a:blip r:embed="rId3"/>
+          <a:stretch>
+            <a:fillRect/>
+          </a:stretch>
+        </p:blipFill>
+        <p:spPr>
+          <a:xfrm>
+            <a:off x="3046412" y="2395154"/>
+            <a:ext cx="6096000" cy="3429000"/>
+          </a:xfrm>
+          <a:prstGeom prst="rect">
+            <a:avLst/>
+          </a:prstGeom>
+        </p:spPr>
+      </p:pic>
     </p:spTree>
     <p:extLst>
       <p:ext uri="{BB962C8B-B14F-4D97-AF65-F5344CB8AC3E}">
@@ -5839,6 +6080,2461 @@
   <p:clrMapOvr>
     <a:masterClrMapping/>
   </p:clrMapOvr>
+  <p:timing>
+    <p:tnLst>
+      <p:par>
+        <p:cTn id="1" dur="indefinite" restart="never" nodeType="tmRoot">
+          <p:childTnLst>
+            <p:seq concurrent="1" nextAc="seek">
+              <p:cTn id="2" dur="indefinite" nodeType="mainSeq">
+                <p:childTnLst>
+                  <p:par>
+                    <p:cTn id="3" fill="hold">
+                      <p:stCondLst>
+                        <p:cond delay="indefinite"/>
+                      </p:stCondLst>
+                      <p:childTnLst>
+                        <p:par>
+                          <p:cTn id="4" fill="hold">
+                            <p:stCondLst>
+                              <p:cond delay="0"/>
+                            </p:stCondLst>
+                            <p:childTnLst>
+                              <p:par>
+                                <p:cTn id="5" presetID="1" presetClass="mediacall" presetSubtype="0" fill="hold" nodeType="clickEffect">
+                                  <p:stCondLst>
+                                    <p:cond delay="0"/>
+                                  </p:stCondLst>
+                                  <p:childTnLst>
+                                    <p:cmd type="call" cmd="playFrom(0.0)">
+                                      <p:cBhvr>
+                                        <p:cTn id="6" dur="1" fill="hold"/>
+                                        <p:tgtEl>
+                                          <p:spTgt spid="5"/>
+                                        </p:tgtEl>
+                                      </p:cBhvr>
+                                    </p:cmd>
+                                  </p:childTnLst>
+                                </p:cTn>
+                              </p:par>
+                            </p:childTnLst>
+                          </p:cTn>
+                        </p:par>
+                      </p:childTnLst>
+                    </p:cTn>
+                  </p:par>
+                </p:childTnLst>
+              </p:cTn>
+              <p:prevCondLst>
+                <p:cond evt="onPrev" delay="0">
+                  <p:tgtEl>
+                    <p:sldTgt/>
+                  </p:tgtEl>
+                </p:cond>
+              </p:prevCondLst>
+              <p:nextCondLst>
+                <p:cond evt="onNext" delay="0">
+                  <p:tgtEl>
+                    <p:sldTgt/>
+                  </p:tgtEl>
+                </p:cond>
+              </p:nextCondLst>
+            </p:seq>
+            <p:video>
+              <p:cMediaNode vol="80000">
+                <p:cTn id="7" fill="hold" display="0">
+                  <p:stCondLst>
+                    <p:cond delay="indefinite"/>
+                  </p:stCondLst>
+                </p:cTn>
+                <p:tgtEl>
+                  <p:spTgt spid="5"/>
+                </p:tgtEl>
+              </p:cMediaNode>
+            </p:video>
+            <p:seq concurrent="1" nextAc="seek">
+              <p:cTn id="8" restart="whenNotActive" fill="hold" evtFilter="cancelBubble" nodeType="interactiveSeq">
+                <p:stCondLst>
+                  <p:cond evt="onClick" delay="0">
+                    <p:tgtEl>
+                      <p:spTgt spid="5"/>
+                    </p:tgtEl>
+                  </p:cond>
+                </p:stCondLst>
+                <p:endSync evt="end" delay="0">
+                  <p:rtn val="all"/>
+                </p:endSync>
+                <p:childTnLst>
+                  <p:par>
+                    <p:cTn id="9" fill="hold">
+                      <p:stCondLst>
+                        <p:cond delay="0"/>
+                      </p:stCondLst>
+                      <p:childTnLst>
+                        <p:par>
+                          <p:cTn id="10" fill="hold">
+                            <p:stCondLst>
+                              <p:cond delay="0"/>
+                            </p:stCondLst>
+                            <p:childTnLst>
+                              <p:par>
+                                <p:cTn id="11" presetID="2" presetClass="mediacall" presetSubtype="0" fill="hold" nodeType="clickEffect">
+                                  <p:stCondLst>
+                                    <p:cond delay="0"/>
+                                  </p:stCondLst>
+                                  <p:childTnLst>
+                                    <p:cmd type="call" cmd="togglePause">
+                                      <p:cBhvr>
+                                        <p:cTn id="12" dur="1" fill="hold"/>
+                                        <p:tgtEl>
+                                          <p:spTgt spid="5"/>
+                                        </p:tgtEl>
+                                      </p:cBhvr>
+                                    </p:cmd>
+                                  </p:childTnLst>
+                                </p:cTn>
+                              </p:par>
+                            </p:childTnLst>
+                          </p:cTn>
+                        </p:par>
+                      </p:childTnLst>
+                    </p:cTn>
+                  </p:par>
+                </p:childTnLst>
+              </p:cTn>
+              <p:nextCondLst>
+                <p:cond evt="onClick" delay="0">
+                  <p:tgtEl>
+                    <p:spTgt spid="5"/>
+                  </p:tgtEl>
+                </p:cond>
+              </p:nextCondLst>
+            </p:seq>
+          </p:childTnLst>
+        </p:cTn>
+      </p:par>
+    </p:tnLst>
+  </p:timing>
+</p:sld>
+</file>
+
+<file path=ppt/slides/slide3.xml><?xml version="1.0" encoding="utf-8"?>
+<p:sld xmlns:a="http://schemas.openxmlformats.org/drawingml/2006/main" xmlns:r="http://schemas.openxmlformats.org/officeDocument/2006/relationships" xmlns:p="http://schemas.openxmlformats.org/presentationml/2006/main">
+  <p:cSld>
+    <p:spTree>
+      <p:nvGrpSpPr>
+        <p:cNvPr id="1" name=""/>
+        <p:cNvGrpSpPr/>
+        <p:nvPr/>
+      </p:nvGrpSpPr>
+      <p:grpSpPr>
+        <a:xfrm>
+          <a:off x="0" y="0"/>
+          <a:ext cx="0" cy="0"/>
+          <a:chOff x="0" y="0"/>
+          <a:chExt cx="0" cy="0"/>
+        </a:xfrm>
+      </p:grpSpPr>
+      <p:sp>
+        <p:nvSpPr>
+          <p:cNvPr id="2" name="Title 1">
+            <a:extLst>
+              <a:ext uri="{FF2B5EF4-FFF2-40B4-BE49-F238E27FC236}">
+                <a16:creationId xmlns:a16="http://schemas.microsoft.com/office/drawing/2014/main" id="{B5273F3D-5E57-CA46-BD53-32E97456A248}"/>
+              </a:ext>
+            </a:extLst>
+          </p:cNvPr>
+          <p:cNvSpPr>
+            <a:spLocks noGrp="1"/>
+          </p:cNvSpPr>
+          <p:nvPr>
+            <p:ph type="title"/>
+          </p:nvPr>
+        </p:nvSpPr>
+        <p:spPr>
+          <a:xfrm>
+            <a:off x="1141413" y="-600636"/>
+            <a:ext cx="9905998" cy="1905000"/>
+          </a:xfrm>
+        </p:spPr>
+        <p:txBody>
+          <a:bodyPr>
+            <a:normAutofit/>
+          </a:bodyPr>
+          <a:lstStyle/>
+          <a:p>
+            <a:pPr algn="ctr"/>
+            <a:r>
+              <a:rPr lang="en-US" sz="4000" b="1" dirty="0"/>
+              <a:t>Television Shows:</a:t>
+            </a:r>
+          </a:p>
+        </p:txBody>
+      </p:sp>
+      <p:sp>
+        <p:nvSpPr>
+          <p:cNvPr id="3" name="Content Placeholder 2">
+            <a:extLst>
+              <a:ext uri="{FF2B5EF4-FFF2-40B4-BE49-F238E27FC236}">
+                <a16:creationId xmlns:a16="http://schemas.microsoft.com/office/drawing/2014/main" id="{4AC5970B-8172-A84C-905B-E3B3154AD569}"/>
+              </a:ext>
+            </a:extLst>
+          </p:cNvPr>
+          <p:cNvSpPr>
+            <a:spLocks noGrp="1"/>
+          </p:cNvSpPr>
+          <p:nvPr>
+            <p:ph idx="1"/>
+          </p:nvPr>
+        </p:nvSpPr>
+        <p:spPr>
+          <a:xfrm>
+            <a:off x="1141413" y="1107140"/>
+            <a:ext cx="9905998" cy="5320554"/>
+          </a:xfrm>
+        </p:spPr>
+        <p:txBody>
+          <a:bodyPr>
+            <a:normAutofit/>
+          </a:bodyPr>
+          <a:lstStyle/>
+          <a:p>
+            <a:pPr algn="ctr"/>
+            <a:r>
+              <a:rPr lang="en-US" sz="4000" b="1" i="1" dirty="0">
+                <a:solidFill>
+                  <a:srgbClr val="FF0000"/>
+                </a:solidFill>
+              </a:rPr>
+              <a:t>Dexter</a:t>
+            </a:r>
+            <a:br>
+              <a:rPr lang="en-US" sz="4000" b="1" i="1" dirty="0">
+                <a:solidFill>
+                  <a:srgbClr val="FF0000"/>
+                </a:solidFill>
+              </a:rPr>
+            </a:br>
+            <a:br>
+              <a:rPr lang="en-US" sz="4000" b="1" i="1" dirty="0">
+                <a:solidFill>
+                  <a:srgbClr val="FF0000"/>
+                </a:solidFill>
+              </a:rPr>
+            </a:br>
+            <a:br>
+              <a:rPr lang="en-US" sz="4000" b="1" i="1" dirty="0">
+                <a:solidFill>
+                  <a:srgbClr val="FF0000"/>
+                </a:solidFill>
+              </a:rPr>
+            </a:br>
+            <a:br>
+              <a:rPr lang="en-US" sz="4000" b="1" i="1" dirty="0">
+                <a:solidFill>
+                  <a:srgbClr val="FF0000"/>
+                </a:solidFill>
+              </a:rPr>
+            </a:br>
+            <a:br>
+              <a:rPr lang="en-US" sz="4000" b="1" i="1" dirty="0">
+                <a:solidFill>
+                  <a:srgbClr val="FF0000"/>
+                </a:solidFill>
+              </a:rPr>
+            </a:br>
+            <a:br>
+              <a:rPr lang="en-US" sz="4000" b="1" i="1" dirty="0">
+                <a:solidFill>
+                  <a:srgbClr val="FF0000"/>
+                </a:solidFill>
+              </a:rPr>
+            </a:br>
+            <a:br>
+              <a:rPr lang="en-US" sz="4000" b="1" i="1" dirty="0">
+                <a:solidFill>
+                  <a:srgbClr val="FF0000"/>
+                </a:solidFill>
+              </a:rPr>
+            </a:br>
+            <a:endParaRPr lang="en-US" sz="4000" b="1" i="1" dirty="0">
+              <a:solidFill>
+                <a:srgbClr val="FF0000"/>
+              </a:solidFill>
+            </a:endParaRPr>
+          </a:p>
+        </p:txBody>
+      </p:sp>
+      <p:sp>
+        <p:nvSpPr>
+          <p:cNvPr id="4" name="Title 1">
+            <a:extLst>
+              <a:ext uri="{FF2B5EF4-FFF2-40B4-BE49-F238E27FC236}">
+                <a16:creationId xmlns:a16="http://schemas.microsoft.com/office/drawing/2014/main" id="{5EBFDC05-0EBF-2C45-A54D-F0011F7BF225}"/>
+              </a:ext>
+            </a:extLst>
+          </p:cNvPr>
+          <p:cNvSpPr txBox="1">
+            <a:spLocks/>
+          </p:cNvSpPr>
+          <p:nvPr/>
+        </p:nvSpPr>
+        <p:spPr>
+          <a:xfrm>
+            <a:off x="1141413" y="-113386"/>
+            <a:ext cx="9905998" cy="1905000"/>
+          </a:xfrm>
+          <a:prstGeom prst="rect">
+            <a:avLst/>
+          </a:prstGeom>
+        </p:spPr>
+        <p:txBody>
+          <a:bodyPr vert="horz" lIns="91440" tIns="45720" rIns="91440" bIns="45720" rtlCol="0" anchor="ctr">
+            <a:normAutofit/>
+          </a:bodyPr>
+          <a:lstStyle>
+            <a:lvl1pPr algn="l" defTabSz="457200" rtl="0" eaLnBrk="1" latinLnBrk="0" hangingPunct="1">
+              <a:spcBef>
+                <a:spcPct val="0"/>
+              </a:spcBef>
+              <a:buNone/>
+              <a:defRPr sz="3200" kern="1200" cap="all">
+                <a:ln w="3175" cmpd="sng">
+                  <a:noFill/>
+                </a:ln>
+                <a:gradFill flip="none" rotWithShape="1">
+                  <a:gsLst>
+                    <a:gs pos="0">
+                      <a:schemeClr val="tx1"/>
+                    </a:gs>
+                    <a:gs pos="100000">
+                      <a:schemeClr val="tx1">
+                        <a:lumMod val="65000"/>
+                      </a:schemeClr>
+                    </a:gs>
+                  </a:gsLst>
+                  <a:lin ang="5580000" scaled="0"/>
+                  <a:tileRect/>
+                </a:gradFill>
+                <a:effectLst>
+                  <a:glow rad="38100">
+                    <a:schemeClr val="bg1">
+                      <a:lumMod val="65000"/>
+                      <a:lumOff val="35000"/>
+                      <a:alpha val="40000"/>
+                    </a:schemeClr>
+                  </a:glow>
+                  <a:outerShdw blurRad="28575" dist="38100" dir="14040000" algn="tl" rotWithShape="0">
+                    <a:srgbClr val="000000">
+                      <a:alpha val="25000"/>
+                    </a:srgbClr>
+                  </a:outerShdw>
+                </a:effectLst>
+                <a:latin typeface="+mj-lt"/>
+                <a:ea typeface="+mj-ea"/>
+                <a:cs typeface="+mj-cs"/>
+              </a:defRPr>
+            </a:lvl1pPr>
+            <a:lvl2pPr eaLnBrk="1" hangingPunct="1">
+              <a:defRPr>
+                <a:solidFill>
+                  <a:schemeClr val="tx2"/>
+                </a:solidFill>
+              </a:defRPr>
+            </a:lvl2pPr>
+            <a:lvl3pPr eaLnBrk="1" hangingPunct="1">
+              <a:defRPr>
+                <a:solidFill>
+                  <a:schemeClr val="tx2"/>
+                </a:solidFill>
+              </a:defRPr>
+            </a:lvl3pPr>
+            <a:lvl4pPr eaLnBrk="1" hangingPunct="1">
+              <a:defRPr>
+                <a:solidFill>
+                  <a:schemeClr val="tx2"/>
+                </a:solidFill>
+              </a:defRPr>
+            </a:lvl4pPr>
+            <a:lvl5pPr eaLnBrk="1" hangingPunct="1">
+              <a:defRPr>
+                <a:solidFill>
+                  <a:schemeClr val="tx2"/>
+                </a:solidFill>
+              </a:defRPr>
+            </a:lvl5pPr>
+            <a:lvl6pPr eaLnBrk="1" hangingPunct="1">
+              <a:defRPr>
+                <a:solidFill>
+                  <a:schemeClr val="tx2"/>
+                </a:solidFill>
+              </a:defRPr>
+            </a:lvl6pPr>
+            <a:lvl7pPr eaLnBrk="1" hangingPunct="1">
+              <a:defRPr>
+                <a:solidFill>
+                  <a:schemeClr val="tx2"/>
+                </a:solidFill>
+              </a:defRPr>
+            </a:lvl7pPr>
+            <a:lvl8pPr eaLnBrk="1" hangingPunct="1">
+              <a:defRPr>
+                <a:solidFill>
+                  <a:schemeClr val="tx2"/>
+                </a:solidFill>
+              </a:defRPr>
+            </a:lvl8pPr>
+            <a:lvl9pPr eaLnBrk="1" hangingPunct="1">
+              <a:defRPr>
+                <a:solidFill>
+                  <a:schemeClr val="tx2"/>
+                </a:solidFill>
+              </a:defRPr>
+            </a:lvl9pPr>
+          </a:lstStyle>
+          <a:p>
+            <a:pPr algn="ctr"/>
+            <a:r>
+              <a:rPr lang="en-US" sz="4000" b="1" i="1" dirty="0"/>
+              <a:t>Crime</a:t>
+            </a:r>
+          </a:p>
+        </p:txBody>
+      </p:sp>
+      <p:pic>
+        <p:nvPicPr>
+          <p:cNvPr id="6" name="Online Media 5" descr="Dexter kills Oliver Saxon! Best scene ever!">
+            <a:hlinkClick r:id="" action="ppaction://media"/>
+            <a:extLst>
+              <a:ext uri="{FF2B5EF4-FFF2-40B4-BE49-F238E27FC236}">
+                <a16:creationId xmlns:a16="http://schemas.microsoft.com/office/drawing/2014/main" id="{8CE1D48C-A0FD-0B41-8AB2-A105BF680D46}"/>
+              </a:ext>
+            </a:extLst>
+          </p:cNvPr>
+          <p:cNvPicPr>
+            <a:picLocks noRot="1" noChangeAspect="1"/>
+          </p:cNvPicPr>
+          <p:nvPr>
+            <a:videoFile r:link="rId1"/>
+          </p:nvPr>
+        </p:nvPicPr>
+        <p:blipFill>
+          <a:blip r:embed="rId3"/>
+          <a:stretch>
+            <a:fillRect/>
+          </a:stretch>
+        </p:blipFill>
+        <p:spPr>
+          <a:xfrm>
+            <a:off x="2858294" y="2278864"/>
+            <a:ext cx="6475412" cy="3642419"/>
+          </a:xfrm>
+          <a:prstGeom prst="rect">
+            <a:avLst/>
+          </a:prstGeom>
+        </p:spPr>
+      </p:pic>
+    </p:spTree>
+    <p:extLst>
+      <p:ext uri="{BB962C8B-B14F-4D97-AF65-F5344CB8AC3E}">
+        <p14:creationId xmlns:p14="http://schemas.microsoft.com/office/powerpoint/2010/main" val="2650762842"/>
+      </p:ext>
+    </p:extLst>
+  </p:cSld>
+  <p:clrMapOvr>
+    <a:masterClrMapping/>
+  </p:clrMapOvr>
+  <p:timing>
+    <p:tnLst>
+      <p:par>
+        <p:cTn id="1" dur="indefinite" restart="never" nodeType="tmRoot">
+          <p:childTnLst>
+            <p:seq concurrent="1" nextAc="seek">
+              <p:cTn id="2" dur="indefinite" nodeType="mainSeq">
+                <p:childTnLst>
+                  <p:par>
+                    <p:cTn id="3" fill="hold">
+                      <p:stCondLst>
+                        <p:cond delay="indefinite"/>
+                      </p:stCondLst>
+                      <p:childTnLst>
+                        <p:par>
+                          <p:cTn id="4" fill="hold">
+                            <p:stCondLst>
+                              <p:cond delay="0"/>
+                            </p:stCondLst>
+                            <p:childTnLst>
+                              <p:par>
+                                <p:cTn id="5" presetID="1" presetClass="mediacall" presetSubtype="0" fill="hold" nodeType="clickEffect">
+                                  <p:stCondLst>
+                                    <p:cond delay="0"/>
+                                  </p:stCondLst>
+                                  <p:childTnLst>
+                                    <p:cmd type="call" cmd="playFrom(0.0)">
+                                      <p:cBhvr>
+                                        <p:cTn id="6" dur="1" fill="hold"/>
+                                        <p:tgtEl>
+                                          <p:spTgt spid="6"/>
+                                        </p:tgtEl>
+                                      </p:cBhvr>
+                                    </p:cmd>
+                                  </p:childTnLst>
+                                </p:cTn>
+                              </p:par>
+                            </p:childTnLst>
+                          </p:cTn>
+                        </p:par>
+                      </p:childTnLst>
+                    </p:cTn>
+                  </p:par>
+                </p:childTnLst>
+              </p:cTn>
+              <p:prevCondLst>
+                <p:cond evt="onPrev" delay="0">
+                  <p:tgtEl>
+                    <p:sldTgt/>
+                  </p:tgtEl>
+                </p:cond>
+              </p:prevCondLst>
+              <p:nextCondLst>
+                <p:cond evt="onNext" delay="0">
+                  <p:tgtEl>
+                    <p:sldTgt/>
+                  </p:tgtEl>
+                </p:cond>
+              </p:nextCondLst>
+            </p:seq>
+            <p:video>
+              <p:cMediaNode vol="80000">
+                <p:cTn id="7" fill="hold" display="0">
+                  <p:stCondLst>
+                    <p:cond delay="indefinite"/>
+                  </p:stCondLst>
+                </p:cTn>
+                <p:tgtEl>
+                  <p:spTgt spid="6"/>
+                </p:tgtEl>
+              </p:cMediaNode>
+            </p:video>
+            <p:seq concurrent="1" nextAc="seek">
+              <p:cTn id="8" restart="whenNotActive" fill="hold" evtFilter="cancelBubble" nodeType="interactiveSeq">
+                <p:stCondLst>
+                  <p:cond evt="onClick" delay="0">
+                    <p:tgtEl>
+                      <p:spTgt spid="6"/>
+                    </p:tgtEl>
+                  </p:cond>
+                </p:stCondLst>
+                <p:endSync evt="end" delay="0">
+                  <p:rtn val="all"/>
+                </p:endSync>
+                <p:childTnLst>
+                  <p:par>
+                    <p:cTn id="9" fill="hold">
+                      <p:stCondLst>
+                        <p:cond delay="0"/>
+                      </p:stCondLst>
+                      <p:childTnLst>
+                        <p:par>
+                          <p:cTn id="10" fill="hold">
+                            <p:stCondLst>
+                              <p:cond delay="0"/>
+                            </p:stCondLst>
+                            <p:childTnLst>
+                              <p:par>
+                                <p:cTn id="11" presetID="2" presetClass="mediacall" presetSubtype="0" fill="hold" nodeType="clickEffect">
+                                  <p:stCondLst>
+                                    <p:cond delay="0"/>
+                                  </p:stCondLst>
+                                  <p:childTnLst>
+                                    <p:cmd type="call" cmd="togglePause">
+                                      <p:cBhvr>
+                                        <p:cTn id="12" dur="1" fill="hold"/>
+                                        <p:tgtEl>
+                                          <p:spTgt spid="6"/>
+                                        </p:tgtEl>
+                                      </p:cBhvr>
+                                    </p:cmd>
+                                  </p:childTnLst>
+                                </p:cTn>
+                              </p:par>
+                            </p:childTnLst>
+                          </p:cTn>
+                        </p:par>
+                      </p:childTnLst>
+                    </p:cTn>
+                  </p:par>
+                </p:childTnLst>
+              </p:cTn>
+              <p:nextCondLst>
+                <p:cond evt="onClick" delay="0">
+                  <p:tgtEl>
+                    <p:spTgt spid="6"/>
+                  </p:tgtEl>
+                </p:cond>
+              </p:nextCondLst>
+            </p:seq>
+          </p:childTnLst>
+        </p:cTn>
+      </p:par>
+    </p:tnLst>
+  </p:timing>
+</p:sld>
+</file>
+
+<file path=ppt/slides/slide4.xml><?xml version="1.0" encoding="utf-8"?>
+<p:sld xmlns:a="http://schemas.openxmlformats.org/drawingml/2006/main" xmlns:r="http://schemas.openxmlformats.org/officeDocument/2006/relationships" xmlns:p="http://schemas.openxmlformats.org/presentationml/2006/main">
+  <p:cSld>
+    <p:spTree>
+      <p:nvGrpSpPr>
+        <p:cNvPr id="1" name=""/>
+        <p:cNvGrpSpPr/>
+        <p:nvPr/>
+      </p:nvGrpSpPr>
+      <p:grpSpPr>
+        <a:xfrm>
+          <a:off x="0" y="0"/>
+          <a:ext cx="0" cy="0"/>
+          <a:chOff x="0" y="0"/>
+          <a:chExt cx="0" cy="0"/>
+        </a:xfrm>
+      </p:grpSpPr>
+      <p:sp>
+        <p:nvSpPr>
+          <p:cNvPr id="2" name="Title 1">
+            <a:extLst>
+              <a:ext uri="{FF2B5EF4-FFF2-40B4-BE49-F238E27FC236}">
+                <a16:creationId xmlns:a16="http://schemas.microsoft.com/office/drawing/2014/main" id="{B5273F3D-5E57-CA46-BD53-32E97456A248}"/>
+              </a:ext>
+            </a:extLst>
+          </p:cNvPr>
+          <p:cNvSpPr>
+            <a:spLocks noGrp="1"/>
+          </p:cNvSpPr>
+          <p:nvPr>
+            <p:ph type="title"/>
+          </p:nvPr>
+        </p:nvSpPr>
+        <p:spPr>
+          <a:xfrm>
+            <a:off x="1141413" y="-600636"/>
+            <a:ext cx="9905998" cy="1905000"/>
+          </a:xfrm>
+        </p:spPr>
+        <p:txBody>
+          <a:bodyPr>
+            <a:normAutofit/>
+          </a:bodyPr>
+          <a:lstStyle/>
+          <a:p>
+            <a:pPr algn="ctr"/>
+            <a:r>
+              <a:rPr lang="en-US" sz="4000" b="1" dirty="0"/>
+              <a:t>Television Shows:</a:t>
+            </a:r>
+          </a:p>
+        </p:txBody>
+      </p:sp>
+      <p:sp>
+        <p:nvSpPr>
+          <p:cNvPr id="3" name="Content Placeholder 2">
+            <a:extLst>
+              <a:ext uri="{FF2B5EF4-FFF2-40B4-BE49-F238E27FC236}">
+                <a16:creationId xmlns:a16="http://schemas.microsoft.com/office/drawing/2014/main" id="{4AC5970B-8172-A84C-905B-E3B3154AD569}"/>
+              </a:ext>
+            </a:extLst>
+          </p:cNvPr>
+          <p:cNvSpPr>
+            <a:spLocks noGrp="1"/>
+          </p:cNvSpPr>
+          <p:nvPr>
+            <p:ph idx="1"/>
+          </p:nvPr>
+        </p:nvSpPr>
+        <p:spPr>
+          <a:xfrm>
+            <a:off x="1141413" y="1107140"/>
+            <a:ext cx="9905998" cy="5320554"/>
+          </a:xfrm>
+        </p:spPr>
+        <p:txBody>
+          <a:bodyPr>
+            <a:normAutofit/>
+          </a:bodyPr>
+          <a:lstStyle/>
+          <a:p>
+            <a:pPr algn="ctr"/>
+            <a:r>
+              <a:rPr lang="en-US" sz="4000" b="1" i="1" dirty="0">
+                <a:solidFill>
+                  <a:srgbClr val="FF0000"/>
+                </a:solidFill>
+              </a:rPr>
+              <a:t>How to get away with murder</a:t>
+            </a:r>
+            <a:br>
+              <a:rPr lang="en-US" sz="4000" b="1" i="1" dirty="0">
+                <a:solidFill>
+                  <a:srgbClr val="FF0000"/>
+                </a:solidFill>
+              </a:rPr>
+            </a:br>
+            <a:br>
+              <a:rPr lang="en-US" sz="4000" b="1" i="1" dirty="0">
+                <a:solidFill>
+                  <a:srgbClr val="FF0000"/>
+                </a:solidFill>
+              </a:rPr>
+            </a:br>
+            <a:br>
+              <a:rPr lang="en-US" sz="4000" b="1" i="1" dirty="0">
+                <a:solidFill>
+                  <a:srgbClr val="FF0000"/>
+                </a:solidFill>
+              </a:rPr>
+            </a:br>
+            <a:br>
+              <a:rPr lang="en-US" sz="4000" b="1" i="1" dirty="0">
+                <a:solidFill>
+                  <a:srgbClr val="FF0000"/>
+                </a:solidFill>
+              </a:rPr>
+            </a:br>
+            <a:br>
+              <a:rPr lang="en-US" sz="4000" b="1" i="1" dirty="0">
+                <a:solidFill>
+                  <a:srgbClr val="FF0000"/>
+                </a:solidFill>
+              </a:rPr>
+            </a:br>
+            <a:br>
+              <a:rPr lang="en-US" sz="4000" b="1" i="1" dirty="0">
+                <a:solidFill>
+                  <a:srgbClr val="FF0000"/>
+                </a:solidFill>
+              </a:rPr>
+            </a:br>
+            <a:br>
+              <a:rPr lang="en-US" sz="4000" b="1" i="1" dirty="0">
+                <a:solidFill>
+                  <a:srgbClr val="FF0000"/>
+                </a:solidFill>
+              </a:rPr>
+            </a:br>
+            <a:endParaRPr lang="en-US" sz="4000" b="1" i="1" dirty="0">
+              <a:solidFill>
+                <a:srgbClr val="FF0000"/>
+              </a:solidFill>
+            </a:endParaRPr>
+          </a:p>
+        </p:txBody>
+      </p:sp>
+      <p:sp>
+        <p:nvSpPr>
+          <p:cNvPr id="4" name="Title 1">
+            <a:extLst>
+              <a:ext uri="{FF2B5EF4-FFF2-40B4-BE49-F238E27FC236}">
+                <a16:creationId xmlns:a16="http://schemas.microsoft.com/office/drawing/2014/main" id="{5EBFDC05-0EBF-2C45-A54D-F0011F7BF225}"/>
+              </a:ext>
+            </a:extLst>
+          </p:cNvPr>
+          <p:cNvSpPr txBox="1">
+            <a:spLocks/>
+          </p:cNvSpPr>
+          <p:nvPr/>
+        </p:nvSpPr>
+        <p:spPr>
+          <a:xfrm>
+            <a:off x="1141413" y="-113386"/>
+            <a:ext cx="9905998" cy="1905000"/>
+          </a:xfrm>
+          <a:prstGeom prst="rect">
+            <a:avLst/>
+          </a:prstGeom>
+        </p:spPr>
+        <p:txBody>
+          <a:bodyPr vert="horz" lIns="91440" tIns="45720" rIns="91440" bIns="45720" rtlCol="0" anchor="ctr">
+            <a:normAutofit/>
+          </a:bodyPr>
+          <a:lstStyle>
+            <a:lvl1pPr algn="l" defTabSz="457200" rtl="0" eaLnBrk="1" latinLnBrk="0" hangingPunct="1">
+              <a:spcBef>
+                <a:spcPct val="0"/>
+              </a:spcBef>
+              <a:buNone/>
+              <a:defRPr sz="3200" kern="1200" cap="all">
+                <a:ln w="3175" cmpd="sng">
+                  <a:noFill/>
+                </a:ln>
+                <a:gradFill flip="none" rotWithShape="1">
+                  <a:gsLst>
+                    <a:gs pos="0">
+                      <a:schemeClr val="tx1"/>
+                    </a:gs>
+                    <a:gs pos="100000">
+                      <a:schemeClr val="tx1">
+                        <a:lumMod val="65000"/>
+                      </a:schemeClr>
+                    </a:gs>
+                  </a:gsLst>
+                  <a:lin ang="5580000" scaled="0"/>
+                  <a:tileRect/>
+                </a:gradFill>
+                <a:effectLst>
+                  <a:glow rad="38100">
+                    <a:schemeClr val="bg1">
+                      <a:lumMod val="65000"/>
+                      <a:lumOff val="35000"/>
+                      <a:alpha val="40000"/>
+                    </a:schemeClr>
+                  </a:glow>
+                  <a:outerShdw blurRad="28575" dist="38100" dir="14040000" algn="tl" rotWithShape="0">
+                    <a:srgbClr val="000000">
+                      <a:alpha val="25000"/>
+                    </a:srgbClr>
+                  </a:outerShdw>
+                </a:effectLst>
+                <a:latin typeface="+mj-lt"/>
+                <a:ea typeface="+mj-ea"/>
+                <a:cs typeface="+mj-cs"/>
+              </a:defRPr>
+            </a:lvl1pPr>
+            <a:lvl2pPr eaLnBrk="1" hangingPunct="1">
+              <a:defRPr>
+                <a:solidFill>
+                  <a:schemeClr val="tx2"/>
+                </a:solidFill>
+              </a:defRPr>
+            </a:lvl2pPr>
+            <a:lvl3pPr eaLnBrk="1" hangingPunct="1">
+              <a:defRPr>
+                <a:solidFill>
+                  <a:schemeClr val="tx2"/>
+                </a:solidFill>
+              </a:defRPr>
+            </a:lvl3pPr>
+            <a:lvl4pPr eaLnBrk="1" hangingPunct="1">
+              <a:defRPr>
+                <a:solidFill>
+                  <a:schemeClr val="tx2"/>
+                </a:solidFill>
+              </a:defRPr>
+            </a:lvl4pPr>
+            <a:lvl5pPr eaLnBrk="1" hangingPunct="1">
+              <a:defRPr>
+                <a:solidFill>
+                  <a:schemeClr val="tx2"/>
+                </a:solidFill>
+              </a:defRPr>
+            </a:lvl5pPr>
+            <a:lvl6pPr eaLnBrk="1" hangingPunct="1">
+              <a:defRPr>
+                <a:solidFill>
+                  <a:schemeClr val="tx2"/>
+                </a:solidFill>
+              </a:defRPr>
+            </a:lvl6pPr>
+            <a:lvl7pPr eaLnBrk="1" hangingPunct="1">
+              <a:defRPr>
+                <a:solidFill>
+                  <a:schemeClr val="tx2"/>
+                </a:solidFill>
+              </a:defRPr>
+            </a:lvl7pPr>
+            <a:lvl8pPr eaLnBrk="1" hangingPunct="1">
+              <a:defRPr>
+                <a:solidFill>
+                  <a:schemeClr val="tx2"/>
+                </a:solidFill>
+              </a:defRPr>
+            </a:lvl8pPr>
+            <a:lvl9pPr eaLnBrk="1" hangingPunct="1">
+              <a:defRPr>
+                <a:solidFill>
+                  <a:schemeClr val="tx2"/>
+                </a:solidFill>
+              </a:defRPr>
+            </a:lvl9pPr>
+          </a:lstStyle>
+          <a:p>
+            <a:pPr algn="ctr"/>
+            <a:r>
+              <a:rPr lang="en-US" sz="4000" b="1" i="1" dirty="0"/>
+              <a:t>Crime</a:t>
+            </a:r>
+          </a:p>
+        </p:txBody>
+      </p:sp>
+      <p:pic>
+        <p:nvPicPr>
+          <p:cNvPr id="5" name="Online Media 4" descr="Viola Davis KICKS ASS in scene from &quot;How To Get Away With Murder&quot;">
+            <a:hlinkClick r:id="" action="ppaction://media"/>
+            <a:extLst>
+              <a:ext uri="{FF2B5EF4-FFF2-40B4-BE49-F238E27FC236}">
+                <a16:creationId xmlns:a16="http://schemas.microsoft.com/office/drawing/2014/main" id="{0E3A7A18-BA75-1D43-B2F5-174A91D678E4}"/>
+              </a:ext>
+            </a:extLst>
+          </p:cNvPr>
+          <p:cNvPicPr>
+            <a:picLocks noRot="1" noChangeAspect="1"/>
+          </p:cNvPicPr>
+          <p:nvPr>
+            <a:videoFile r:link="rId1"/>
+          </p:nvPr>
+        </p:nvPicPr>
+        <p:blipFill>
+          <a:blip r:embed="rId3"/>
+          <a:stretch>
+            <a:fillRect/>
+          </a:stretch>
+        </p:blipFill>
+        <p:spPr>
+          <a:xfrm>
+            <a:off x="2680494" y="2278864"/>
+            <a:ext cx="6831012" cy="3842444"/>
+          </a:xfrm>
+          <a:prstGeom prst="rect">
+            <a:avLst/>
+          </a:prstGeom>
+        </p:spPr>
+      </p:pic>
+    </p:spTree>
+    <p:extLst>
+      <p:ext uri="{BB962C8B-B14F-4D97-AF65-F5344CB8AC3E}">
+        <p14:creationId xmlns:p14="http://schemas.microsoft.com/office/powerpoint/2010/main" val="2933521401"/>
+      </p:ext>
+    </p:extLst>
+  </p:cSld>
+  <p:clrMapOvr>
+    <a:masterClrMapping/>
+  </p:clrMapOvr>
+  <p:timing>
+    <p:tnLst>
+      <p:par>
+        <p:cTn id="1" dur="indefinite" restart="never" nodeType="tmRoot">
+          <p:childTnLst>
+            <p:seq concurrent="1" nextAc="seek">
+              <p:cTn id="2" dur="indefinite" nodeType="mainSeq">
+                <p:childTnLst>
+                  <p:par>
+                    <p:cTn id="3" fill="hold">
+                      <p:stCondLst>
+                        <p:cond delay="indefinite"/>
+                      </p:stCondLst>
+                      <p:childTnLst>
+                        <p:par>
+                          <p:cTn id="4" fill="hold">
+                            <p:stCondLst>
+                              <p:cond delay="0"/>
+                            </p:stCondLst>
+                            <p:childTnLst>
+                              <p:par>
+                                <p:cTn id="5" presetID="1" presetClass="mediacall" presetSubtype="0" fill="hold" nodeType="clickEffect">
+                                  <p:stCondLst>
+                                    <p:cond delay="0"/>
+                                  </p:stCondLst>
+                                  <p:childTnLst>
+                                    <p:cmd type="call" cmd="playFrom(0.0)">
+                                      <p:cBhvr>
+                                        <p:cTn id="6" dur="1" fill="hold"/>
+                                        <p:tgtEl>
+                                          <p:spTgt spid="5"/>
+                                        </p:tgtEl>
+                                      </p:cBhvr>
+                                    </p:cmd>
+                                  </p:childTnLst>
+                                </p:cTn>
+                              </p:par>
+                            </p:childTnLst>
+                          </p:cTn>
+                        </p:par>
+                      </p:childTnLst>
+                    </p:cTn>
+                  </p:par>
+                </p:childTnLst>
+              </p:cTn>
+              <p:prevCondLst>
+                <p:cond evt="onPrev" delay="0">
+                  <p:tgtEl>
+                    <p:sldTgt/>
+                  </p:tgtEl>
+                </p:cond>
+              </p:prevCondLst>
+              <p:nextCondLst>
+                <p:cond evt="onNext" delay="0">
+                  <p:tgtEl>
+                    <p:sldTgt/>
+                  </p:tgtEl>
+                </p:cond>
+              </p:nextCondLst>
+            </p:seq>
+            <p:video>
+              <p:cMediaNode vol="80000">
+                <p:cTn id="7" fill="hold" display="0">
+                  <p:stCondLst>
+                    <p:cond delay="indefinite"/>
+                  </p:stCondLst>
+                </p:cTn>
+                <p:tgtEl>
+                  <p:spTgt spid="5"/>
+                </p:tgtEl>
+              </p:cMediaNode>
+            </p:video>
+            <p:seq concurrent="1" nextAc="seek">
+              <p:cTn id="8" restart="whenNotActive" fill="hold" evtFilter="cancelBubble" nodeType="interactiveSeq">
+                <p:stCondLst>
+                  <p:cond evt="onClick" delay="0">
+                    <p:tgtEl>
+                      <p:spTgt spid="5"/>
+                    </p:tgtEl>
+                  </p:cond>
+                </p:stCondLst>
+                <p:endSync evt="end" delay="0">
+                  <p:rtn val="all"/>
+                </p:endSync>
+                <p:childTnLst>
+                  <p:par>
+                    <p:cTn id="9" fill="hold">
+                      <p:stCondLst>
+                        <p:cond delay="0"/>
+                      </p:stCondLst>
+                      <p:childTnLst>
+                        <p:par>
+                          <p:cTn id="10" fill="hold">
+                            <p:stCondLst>
+                              <p:cond delay="0"/>
+                            </p:stCondLst>
+                            <p:childTnLst>
+                              <p:par>
+                                <p:cTn id="11" presetID="2" presetClass="mediacall" presetSubtype="0" fill="hold" nodeType="clickEffect">
+                                  <p:stCondLst>
+                                    <p:cond delay="0"/>
+                                  </p:stCondLst>
+                                  <p:childTnLst>
+                                    <p:cmd type="call" cmd="togglePause">
+                                      <p:cBhvr>
+                                        <p:cTn id="12" dur="1" fill="hold"/>
+                                        <p:tgtEl>
+                                          <p:spTgt spid="5"/>
+                                        </p:tgtEl>
+                                      </p:cBhvr>
+                                    </p:cmd>
+                                  </p:childTnLst>
+                                </p:cTn>
+                              </p:par>
+                            </p:childTnLst>
+                          </p:cTn>
+                        </p:par>
+                      </p:childTnLst>
+                    </p:cTn>
+                  </p:par>
+                </p:childTnLst>
+              </p:cTn>
+              <p:nextCondLst>
+                <p:cond evt="onClick" delay="0">
+                  <p:tgtEl>
+                    <p:spTgt spid="5"/>
+                  </p:tgtEl>
+                </p:cond>
+              </p:nextCondLst>
+            </p:seq>
+          </p:childTnLst>
+        </p:cTn>
+      </p:par>
+    </p:tnLst>
+  </p:timing>
+</p:sld>
+</file>
+
+<file path=ppt/slides/slide5.xml><?xml version="1.0" encoding="utf-8"?>
+<p:sld xmlns:a="http://schemas.openxmlformats.org/drawingml/2006/main" xmlns:r="http://schemas.openxmlformats.org/officeDocument/2006/relationships" xmlns:p="http://schemas.openxmlformats.org/presentationml/2006/main">
+  <p:cSld>
+    <p:spTree>
+      <p:nvGrpSpPr>
+        <p:cNvPr id="1" name=""/>
+        <p:cNvGrpSpPr/>
+        <p:nvPr/>
+      </p:nvGrpSpPr>
+      <p:grpSpPr>
+        <a:xfrm>
+          <a:off x="0" y="0"/>
+          <a:ext cx="0" cy="0"/>
+          <a:chOff x="0" y="0"/>
+          <a:chExt cx="0" cy="0"/>
+        </a:xfrm>
+      </p:grpSpPr>
+      <p:sp>
+        <p:nvSpPr>
+          <p:cNvPr id="2" name="Title 1">
+            <a:extLst>
+              <a:ext uri="{FF2B5EF4-FFF2-40B4-BE49-F238E27FC236}">
+                <a16:creationId xmlns:a16="http://schemas.microsoft.com/office/drawing/2014/main" id="{B5273F3D-5E57-CA46-BD53-32E97456A248}"/>
+              </a:ext>
+            </a:extLst>
+          </p:cNvPr>
+          <p:cNvSpPr>
+            <a:spLocks noGrp="1"/>
+          </p:cNvSpPr>
+          <p:nvPr>
+            <p:ph type="title"/>
+          </p:nvPr>
+        </p:nvSpPr>
+        <p:spPr>
+          <a:xfrm>
+            <a:off x="1141413" y="-600636"/>
+            <a:ext cx="9905998" cy="1905000"/>
+          </a:xfrm>
+        </p:spPr>
+        <p:txBody>
+          <a:bodyPr>
+            <a:normAutofit/>
+          </a:bodyPr>
+          <a:lstStyle/>
+          <a:p>
+            <a:pPr algn="ctr"/>
+            <a:r>
+              <a:rPr lang="en-US" sz="4000" b="1" dirty="0"/>
+              <a:t>Television Shows:</a:t>
+            </a:r>
+          </a:p>
+        </p:txBody>
+      </p:sp>
+      <p:sp>
+        <p:nvSpPr>
+          <p:cNvPr id="3" name="Content Placeholder 2">
+            <a:extLst>
+              <a:ext uri="{FF2B5EF4-FFF2-40B4-BE49-F238E27FC236}">
+                <a16:creationId xmlns:a16="http://schemas.microsoft.com/office/drawing/2014/main" id="{4AC5970B-8172-A84C-905B-E3B3154AD569}"/>
+              </a:ext>
+            </a:extLst>
+          </p:cNvPr>
+          <p:cNvSpPr>
+            <a:spLocks noGrp="1"/>
+          </p:cNvSpPr>
+          <p:nvPr>
+            <p:ph idx="1"/>
+          </p:nvPr>
+        </p:nvSpPr>
+        <p:spPr>
+          <a:xfrm>
+            <a:off x="1141413" y="1107140"/>
+            <a:ext cx="9905998" cy="5320554"/>
+          </a:xfrm>
+        </p:spPr>
+        <p:txBody>
+          <a:bodyPr>
+            <a:normAutofit/>
+          </a:bodyPr>
+          <a:lstStyle/>
+          <a:p>
+            <a:pPr algn="ctr"/>
+            <a:r>
+              <a:rPr lang="en-US" sz="4000" b="1" i="1" dirty="0">
+                <a:solidFill>
+                  <a:srgbClr val="FF0000"/>
+                </a:solidFill>
+              </a:rPr>
+              <a:t>The office</a:t>
+            </a:r>
+            <a:br>
+              <a:rPr lang="en-US" sz="4000" b="1" i="1" dirty="0">
+                <a:solidFill>
+                  <a:srgbClr val="FF0000"/>
+                </a:solidFill>
+              </a:rPr>
+            </a:br>
+            <a:br>
+              <a:rPr lang="en-US" sz="4000" b="1" i="1" dirty="0">
+                <a:solidFill>
+                  <a:srgbClr val="FF0000"/>
+                </a:solidFill>
+              </a:rPr>
+            </a:br>
+            <a:br>
+              <a:rPr lang="en-US" sz="4000" b="1" i="1" dirty="0">
+                <a:solidFill>
+                  <a:srgbClr val="FF0000"/>
+                </a:solidFill>
+              </a:rPr>
+            </a:br>
+            <a:br>
+              <a:rPr lang="en-US" sz="4000" b="1" i="1" dirty="0">
+                <a:solidFill>
+                  <a:srgbClr val="FF0000"/>
+                </a:solidFill>
+              </a:rPr>
+            </a:br>
+            <a:br>
+              <a:rPr lang="en-US" sz="4000" b="1" i="1" dirty="0">
+                <a:solidFill>
+                  <a:srgbClr val="FF0000"/>
+                </a:solidFill>
+              </a:rPr>
+            </a:br>
+            <a:br>
+              <a:rPr lang="en-US" sz="4000" b="1" i="1" dirty="0">
+                <a:solidFill>
+                  <a:srgbClr val="FF0000"/>
+                </a:solidFill>
+              </a:rPr>
+            </a:br>
+            <a:br>
+              <a:rPr lang="en-US" sz="4000" b="1" i="1" dirty="0">
+                <a:solidFill>
+                  <a:srgbClr val="FF0000"/>
+                </a:solidFill>
+              </a:rPr>
+            </a:br>
+            <a:endParaRPr lang="en-US" sz="4000" b="1" i="1" dirty="0">
+              <a:solidFill>
+                <a:srgbClr val="FF0000"/>
+              </a:solidFill>
+            </a:endParaRPr>
+          </a:p>
+        </p:txBody>
+      </p:sp>
+      <p:sp>
+        <p:nvSpPr>
+          <p:cNvPr id="4" name="Title 1">
+            <a:extLst>
+              <a:ext uri="{FF2B5EF4-FFF2-40B4-BE49-F238E27FC236}">
+                <a16:creationId xmlns:a16="http://schemas.microsoft.com/office/drawing/2014/main" id="{5EBFDC05-0EBF-2C45-A54D-F0011F7BF225}"/>
+              </a:ext>
+            </a:extLst>
+          </p:cNvPr>
+          <p:cNvSpPr txBox="1">
+            <a:spLocks/>
+          </p:cNvSpPr>
+          <p:nvPr/>
+        </p:nvSpPr>
+        <p:spPr>
+          <a:xfrm>
+            <a:off x="1141413" y="-113386"/>
+            <a:ext cx="9905998" cy="1905000"/>
+          </a:xfrm>
+          <a:prstGeom prst="rect">
+            <a:avLst/>
+          </a:prstGeom>
+        </p:spPr>
+        <p:txBody>
+          <a:bodyPr vert="horz" lIns="91440" tIns="45720" rIns="91440" bIns="45720" rtlCol="0" anchor="ctr">
+            <a:normAutofit/>
+          </a:bodyPr>
+          <a:lstStyle>
+            <a:lvl1pPr algn="l" defTabSz="457200" rtl="0" eaLnBrk="1" latinLnBrk="0" hangingPunct="1">
+              <a:spcBef>
+                <a:spcPct val="0"/>
+              </a:spcBef>
+              <a:buNone/>
+              <a:defRPr sz="3200" kern="1200" cap="all">
+                <a:ln w="3175" cmpd="sng">
+                  <a:noFill/>
+                </a:ln>
+                <a:gradFill flip="none" rotWithShape="1">
+                  <a:gsLst>
+                    <a:gs pos="0">
+                      <a:schemeClr val="tx1"/>
+                    </a:gs>
+                    <a:gs pos="100000">
+                      <a:schemeClr val="tx1">
+                        <a:lumMod val="65000"/>
+                      </a:schemeClr>
+                    </a:gs>
+                  </a:gsLst>
+                  <a:lin ang="5580000" scaled="0"/>
+                  <a:tileRect/>
+                </a:gradFill>
+                <a:effectLst>
+                  <a:glow rad="38100">
+                    <a:schemeClr val="bg1">
+                      <a:lumMod val="65000"/>
+                      <a:lumOff val="35000"/>
+                      <a:alpha val="40000"/>
+                    </a:schemeClr>
+                  </a:glow>
+                  <a:outerShdw blurRad="28575" dist="38100" dir="14040000" algn="tl" rotWithShape="0">
+                    <a:srgbClr val="000000">
+                      <a:alpha val="25000"/>
+                    </a:srgbClr>
+                  </a:outerShdw>
+                </a:effectLst>
+                <a:latin typeface="+mj-lt"/>
+                <a:ea typeface="+mj-ea"/>
+                <a:cs typeface="+mj-cs"/>
+              </a:defRPr>
+            </a:lvl1pPr>
+            <a:lvl2pPr eaLnBrk="1" hangingPunct="1">
+              <a:defRPr>
+                <a:solidFill>
+                  <a:schemeClr val="tx2"/>
+                </a:solidFill>
+              </a:defRPr>
+            </a:lvl2pPr>
+            <a:lvl3pPr eaLnBrk="1" hangingPunct="1">
+              <a:defRPr>
+                <a:solidFill>
+                  <a:schemeClr val="tx2"/>
+                </a:solidFill>
+              </a:defRPr>
+            </a:lvl3pPr>
+            <a:lvl4pPr eaLnBrk="1" hangingPunct="1">
+              <a:defRPr>
+                <a:solidFill>
+                  <a:schemeClr val="tx2"/>
+                </a:solidFill>
+              </a:defRPr>
+            </a:lvl4pPr>
+            <a:lvl5pPr eaLnBrk="1" hangingPunct="1">
+              <a:defRPr>
+                <a:solidFill>
+                  <a:schemeClr val="tx2"/>
+                </a:solidFill>
+              </a:defRPr>
+            </a:lvl5pPr>
+            <a:lvl6pPr eaLnBrk="1" hangingPunct="1">
+              <a:defRPr>
+                <a:solidFill>
+                  <a:schemeClr val="tx2"/>
+                </a:solidFill>
+              </a:defRPr>
+            </a:lvl6pPr>
+            <a:lvl7pPr eaLnBrk="1" hangingPunct="1">
+              <a:defRPr>
+                <a:solidFill>
+                  <a:schemeClr val="tx2"/>
+                </a:solidFill>
+              </a:defRPr>
+            </a:lvl7pPr>
+            <a:lvl8pPr eaLnBrk="1" hangingPunct="1">
+              <a:defRPr>
+                <a:solidFill>
+                  <a:schemeClr val="tx2"/>
+                </a:solidFill>
+              </a:defRPr>
+            </a:lvl8pPr>
+            <a:lvl9pPr eaLnBrk="1" hangingPunct="1">
+              <a:defRPr>
+                <a:solidFill>
+                  <a:schemeClr val="tx2"/>
+                </a:solidFill>
+              </a:defRPr>
+            </a:lvl9pPr>
+          </a:lstStyle>
+          <a:p>
+            <a:pPr algn="ctr"/>
+            <a:r>
+              <a:rPr lang="en-US" sz="4000" b="1" i="1" dirty="0"/>
+              <a:t>Comedy</a:t>
+            </a:r>
+          </a:p>
+        </p:txBody>
+      </p:sp>
+      <p:pic>
+        <p:nvPicPr>
+          <p:cNvPr id="6" name="Online Media 5" descr="Fire Drill  - The Office US">
+            <a:hlinkClick r:id="" action="ppaction://media"/>
+            <a:extLst>
+              <a:ext uri="{FF2B5EF4-FFF2-40B4-BE49-F238E27FC236}">
+                <a16:creationId xmlns:a16="http://schemas.microsoft.com/office/drawing/2014/main" id="{273226E7-956B-7B4B-A0C5-15B83551C2A9}"/>
+              </a:ext>
+            </a:extLst>
+          </p:cNvPr>
+          <p:cNvPicPr>
+            <a:picLocks noRot="1" noChangeAspect="1"/>
+          </p:cNvPicPr>
+          <p:nvPr>
+            <a:videoFile r:link="rId1"/>
+          </p:nvPr>
+        </p:nvPicPr>
+        <p:blipFill>
+          <a:blip r:embed="rId3"/>
+          <a:stretch>
+            <a:fillRect/>
+          </a:stretch>
+        </p:blipFill>
+        <p:spPr>
+          <a:xfrm>
+            <a:off x="2475706" y="2165272"/>
+            <a:ext cx="7237412" cy="4071044"/>
+          </a:xfrm>
+          <a:prstGeom prst="rect">
+            <a:avLst/>
+          </a:prstGeom>
+        </p:spPr>
+      </p:pic>
+    </p:spTree>
+    <p:extLst>
+      <p:ext uri="{BB962C8B-B14F-4D97-AF65-F5344CB8AC3E}">
+        <p14:creationId xmlns:p14="http://schemas.microsoft.com/office/powerpoint/2010/main" val="2040195229"/>
+      </p:ext>
+    </p:extLst>
+  </p:cSld>
+  <p:clrMapOvr>
+    <a:masterClrMapping/>
+  </p:clrMapOvr>
+  <p:timing>
+    <p:tnLst>
+      <p:par>
+        <p:cTn id="1" dur="indefinite" restart="never" nodeType="tmRoot">
+          <p:childTnLst>
+            <p:seq concurrent="1" nextAc="seek">
+              <p:cTn id="2" dur="indefinite" nodeType="mainSeq">
+                <p:childTnLst>
+                  <p:par>
+                    <p:cTn id="3" fill="hold">
+                      <p:stCondLst>
+                        <p:cond delay="indefinite"/>
+                      </p:stCondLst>
+                      <p:childTnLst>
+                        <p:par>
+                          <p:cTn id="4" fill="hold">
+                            <p:stCondLst>
+                              <p:cond delay="0"/>
+                            </p:stCondLst>
+                            <p:childTnLst>
+                              <p:par>
+                                <p:cTn id="5" presetID="1" presetClass="mediacall" presetSubtype="0" fill="hold" nodeType="clickEffect">
+                                  <p:stCondLst>
+                                    <p:cond delay="0"/>
+                                  </p:stCondLst>
+                                  <p:childTnLst>
+                                    <p:cmd type="call" cmd="playFrom(0.0)">
+                                      <p:cBhvr>
+                                        <p:cTn id="6" dur="1" fill="hold"/>
+                                        <p:tgtEl>
+                                          <p:spTgt spid="6"/>
+                                        </p:tgtEl>
+                                      </p:cBhvr>
+                                    </p:cmd>
+                                  </p:childTnLst>
+                                </p:cTn>
+                              </p:par>
+                            </p:childTnLst>
+                          </p:cTn>
+                        </p:par>
+                      </p:childTnLst>
+                    </p:cTn>
+                  </p:par>
+                </p:childTnLst>
+              </p:cTn>
+              <p:prevCondLst>
+                <p:cond evt="onPrev" delay="0">
+                  <p:tgtEl>
+                    <p:sldTgt/>
+                  </p:tgtEl>
+                </p:cond>
+              </p:prevCondLst>
+              <p:nextCondLst>
+                <p:cond evt="onNext" delay="0">
+                  <p:tgtEl>
+                    <p:sldTgt/>
+                  </p:tgtEl>
+                </p:cond>
+              </p:nextCondLst>
+            </p:seq>
+            <p:video>
+              <p:cMediaNode vol="80000">
+                <p:cTn id="7" fill="hold" display="0">
+                  <p:stCondLst>
+                    <p:cond delay="indefinite"/>
+                  </p:stCondLst>
+                </p:cTn>
+                <p:tgtEl>
+                  <p:spTgt spid="6"/>
+                </p:tgtEl>
+              </p:cMediaNode>
+            </p:video>
+            <p:seq concurrent="1" nextAc="seek">
+              <p:cTn id="8" restart="whenNotActive" fill="hold" evtFilter="cancelBubble" nodeType="interactiveSeq">
+                <p:stCondLst>
+                  <p:cond evt="onClick" delay="0">
+                    <p:tgtEl>
+                      <p:spTgt spid="6"/>
+                    </p:tgtEl>
+                  </p:cond>
+                </p:stCondLst>
+                <p:endSync evt="end" delay="0">
+                  <p:rtn val="all"/>
+                </p:endSync>
+                <p:childTnLst>
+                  <p:par>
+                    <p:cTn id="9" fill="hold">
+                      <p:stCondLst>
+                        <p:cond delay="0"/>
+                      </p:stCondLst>
+                      <p:childTnLst>
+                        <p:par>
+                          <p:cTn id="10" fill="hold">
+                            <p:stCondLst>
+                              <p:cond delay="0"/>
+                            </p:stCondLst>
+                            <p:childTnLst>
+                              <p:par>
+                                <p:cTn id="11" presetID="2" presetClass="mediacall" presetSubtype="0" fill="hold" nodeType="clickEffect">
+                                  <p:stCondLst>
+                                    <p:cond delay="0"/>
+                                  </p:stCondLst>
+                                  <p:childTnLst>
+                                    <p:cmd type="call" cmd="togglePause">
+                                      <p:cBhvr>
+                                        <p:cTn id="12" dur="1" fill="hold"/>
+                                        <p:tgtEl>
+                                          <p:spTgt spid="6"/>
+                                        </p:tgtEl>
+                                      </p:cBhvr>
+                                    </p:cmd>
+                                  </p:childTnLst>
+                                </p:cTn>
+                              </p:par>
+                            </p:childTnLst>
+                          </p:cTn>
+                        </p:par>
+                      </p:childTnLst>
+                    </p:cTn>
+                  </p:par>
+                </p:childTnLst>
+              </p:cTn>
+              <p:nextCondLst>
+                <p:cond evt="onClick" delay="0">
+                  <p:tgtEl>
+                    <p:spTgt spid="6"/>
+                  </p:tgtEl>
+                </p:cond>
+              </p:nextCondLst>
+            </p:seq>
+          </p:childTnLst>
+        </p:cTn>
+      </p:par>
+    </p:tnLst>
+  </p:timing>
+</p:sld>
+</file>
+
+<file path=ppt/slides/slide6.xml><?xml version="1.0" encoding="utf-8"?>
+<p:sld xmlns:a="http://schemas.openxmlformats.org/drawingml/2006/main" xmlns:r="http://schemas.openxmlformats.org/officeDocument/2006/relationships" xmlns:p="http://schemas.openxmlformats.org/presentationml/2006/main">
+  <p:cSld>
+    <p:spTree>
+      <p:nvGrpSpPr>
+        <p:cNvPr id="1" name=""/>
+        <p:cNvGrpSpPr/>
+        <p:nvPr/>
+      </p:nvGrpSpPr>
+      <p:grpSpPr>
+        <a:xfrm>
+          <a:off x="0" y="0"/>
+          <a:ext cx="0" cy="0"/>
+          <a:chOff x="0" y="0"/>
+          <a:chExt cx="0" cy="0"/>
+        </a:xfrm>
+      </p:grpSpPr>
+      <p:sp>
+        <p:nvSpPr>
+          <p:cNvPr id="2" name="Title 1">
+            <a:extLst>
+              <a:ext uri="{FF2B5EF4-FFF2-40B4-BE49-F238E27FC236}">
+                <a16:creationId xmlns:a16="http://schemas.microsoft.com/office/drawing/2014/main" id="{B5273F3D-5E57-CA46-BD53-32E97456A248}"/>
+              </a:ext>
+            </a:extLst>
+          </p:cNvPr>
+          <p:cNvSpPr>
+            <a:spLocks noGrp="1"/>
+          </p:cNvSpPr>
+          <p:nvPr>
+            <p:ph type="title"/>
+          </p:nvPr>
+        </p:nvSpPr>
+        <p:spPr>
+          <a:xfrm>
+            <a:off x="1141413" y="-600636"/>
+            <a:ext cx="9905998" cy="1905000"/>
+          </a:xfrm>
+        </p:spPr>
+        <p:txBody>
+          <a:bodyPr>
+            <a:normAutofit/>
+          </a:bodyPr>
+          <a:lstStyle/>
+          <a:p>
+            <a:pPr algn="ctr"/>
+            <a:r>
+              <a:rPr lang="en-US" sz="4000" b="1" dirty="0"/>
+              <a:t>Television Shows:</a:t>
+            </a:r>
+          </a:p>
+        </p:txBody>
+      </p:sp>
+      <p:sp>
+        <p:nvSpPr>
+          <p:cNvPr id="3" name="Content Placeholder 2">
+            <a:extLst>
+              <a:ext uri="{FF2B5EF4-FFF2-40B4-BE49-F238E27FC236}">
+                <a16:creationId xmlns:a16="http://schemas.microsoft.com/office/drawing/2014/main" id="{4AC5970B-8172-A84C-905B-E3B3154AD569}"/>
+              </a:ext>
+            </a:extLst>
+          </p:cNvPr>
+          <p:cNvSpPr>
+            <a:spLocks noGrp="1"/>
+          </p:cNvSpPr>
+          <p:nvPr>
+            <p:ph idx="1"/>
+          </p:nvPr>
+        </p:nvSpPr>
+        <p:spPr>
+          <a:xfrm>
+            <a:off x="1141413" y="1107140"/>
+            <a:ext cx="9905998" cy="5320554"/>
+          </a:xfrm>
+        </p:spPr>
+        <p:txBody>
+          <a:bodyPr>
+            <a:normAutofit/>
+          </a:bodyPr>
+          <a:lstStyle/>
+          <a:p>
+            <a:pPr algn="ctr"/>
+            <a:r>
+              <a:rPr lang="en-US" sz="4000" b="1" i="1" dirty="0">
+                <a:solidFill>
+                  <a:srgbClr val="FF0000"/>
+                </a:solidFill>
+              </a:rPr>
+              <a:t>Arrested Development</a:t>
+            </a:r>
+            <a:br>
+              <a:rPr lang="en-US" sz="4000" b="1" i="1" dirty="0">
+                <a:solidFill>
+                  <a:srgbClr val="FF0000"/>
+                </a:solidFill>
+              </a:rPr>
+            </a:br>
+            <a:br>
+              <a:rPr lang="en-US" sz="4000" b="1" i="1" dirty="0">
+                <a:solidFill>
+                  <a:srgbClr val="FF0000"/>
+                </a:solidFill>
+              </a:rPr>
+            </a:br>
+            <a:br>
+              <a:rPr lang="en-US" sz="4000" b="1" i="1" dirty="0">
+                <a:solidFill>
+                  <a:srgbClr val="FF0000"/>
+                </a:solidFill>
+              </a:rPr>
+            </a:br>
+            <a:br>
+              <a:rPr lang="en-US" sz="4000" b="1" i="1" dirty="0">
+                <a:solidFill>
+                  <a:srgbClr val="FF0000"/>
+                </a:solidFill>
+              </a:rPr>
+            </a:br>
+            <a:br>
+              <a:rPr lang="en-US" sz="4000" b="1" i="1" dirty="0">
+                <a:solidFill>
+                  <a:srgbClr val="FF0000"/>
+                </a:solidFill>
+              </a:rPr>
+            </a:br>
+            <a:br>
+              <a:rPr lang="en-US" sz="4000" b="1" i="1" dirty="0">
+                <a:solidFill>
+                  <a:srgbClr val="FF0000"/>
+                </a:solidFill>
+              </a:rPr>
+            </a:br>
+            <a:br>
+              <a:rPr lang="en-US" sz="4000" b="1" i="1" dirty="0">
+                <a:solidFill>
+                  <a:srgbClr val="FF0000"/>
+                </a:solidFill>
+              </a:rPr>
+            </a:br>
+            <a:endParaRPr lang="en-US" sz="4000" b="1" i="1" dirty="0">
+              <a:solidFill>
+                <a:srgbClr val="FF0000"/>
+              </a:solidFill>
+            </a:endParaRPr>
+          </a:p>
+        </p:txBody>
+      </p:sp>
+      <p:sp>
+        <p:nvSpPr>
+          <p:cNvPr id="4" name="Title 1">
+            <a:extLst>
+              <a:ext uri="{FF2B5EF4-FFF2-40B4-BE49-F238E27FC236}">
+                <a16:creationId xmlns:a16="http://schemas.microsoft.com/office/drawing/2014/main" id="{5EBFDC05-0EBF-2C45-A54D-F0011F7BF225}"/>
+              </a:ext>
+            </a:extLst>
+          </p:cNvPr>
+          <p:cNvSpPr txBox="1">
+            <a:spLocks/>
+          </p:cNvSpPr>
+          <p:nvPr/>
+        </p:nvSpPr>
+        <p:spPr>
+          <a:xfrm>
+            <a:off x="1141413" y="-113386"/>
+            <a:ext cx="9905998" cy="1905000"/>
+          </a:xfrm>
+          <a:prstGeom prst="rect">
+            <a:avLst/>
+          </a:prstGeom>
+        </p:spPr>
+        <p:txBody>
+          <a:bodyPr vert="horz" lIns="91440" tIns="45720" rIns="91440" bIns="45720" rtlCol="0" anchor="ctr">
+            <a:normAutofit/>
+          </a:bodyPr>
+          <a:lstStyle>
+            <a:lvl1pPr algn="l" defTabSz="457200" rtl="0" eaLnBrk="1" latinLnBrk="0" hangingPunct="1">
+              <a:spcBef>
+                <a:spcPct val="0"/>
+              </a:spcBef>
+              <a:buNone/>
+              <a:defRPr sz="3200" kern="1200" cap="all">
+                <a:ln w="3175" cmpd="sng">
+                  <a:noFill/>
+                </a:ln>
+                <a:gradFill flip="none" rotWithShape="1">
+                  <a:gsLst>
+                    <a:gs pos="0">
+                      <a:schemeClr val="tx1"/>
+                    </a:gs>
+                    <a:gs pos="100000">
+                      <a:schemeClr val="tx1">
+                        <a:lumMod val="65000"/>
+                      </a:schemeClr>
+                    </a:gs>
+                  </a:gsLst>
+                  <a:lin ang="5580000" scaled="0"/>
+                  <a:tileRect/>
+                </a:gradFill>
+                <a:effectLst>
+                  <a:glow rad="38100">
+                    <a:schemeClr val="bg1">
+                      <a:lumMod val="65000"/>
+                      <a:lumOff val="35000"/>
+                      <a:alpha val="40000"/>
+                    </a:schemeClr>
+                  </a:glow>
+                  <a:outerShdw blurRad="28575" dist="38100" dir="14040000" algn="tl" rotWithShape="0">
+                    <a:srgbClr val="000000">
+                      <a:alpha val="25000"/>
+                    </a:srgbClr>
+                  </a:outerShdw>
+                </a:effectLst>
+                <a:latin typeface="+mj-lt"/>
+                <a:ea typeface="+mj-ea"/>
+                <a:cs typeface="+mj-cs"/>
+              </a:defRPr>
+            </a:lvl1pPr>
+            <a:lvl2pPr eaLnBrk="1" hangingPunct="1">
+              <a:defRPr>
+                <a:solidFill>
+                  <a:schemeClr val="tx2"/>
+                </a:solidFill>
+              </a:defRPr>
+            </a:lvl2pPr>
+            <a:lvl3pPr eaLnBrk="1" hangingPunct="1">
+              <a:defRPr>
+                <a:solidFill>
+                  <a:schemeClr val="tx2"/>
+                </a:solidFill>
+              </a:defRPr>
+            </a:lvl3pPr>
+            <a:lvl4pPr eaLnBrk="1" hangingPunct="1">
+              <a:defRPr>
+                <a:solidFill>
+                  <a:schemeClr val="tx2"/>
+                </a:solidFill>
+              </a:defRPr>
+            </a:lvl4pPr>
+            <a:lvl5pPr eaLnBrk="1" hangingPunct="1">
+              <a:defRPr>
+                <a:solidFill>
+                  <a:schemeClr val="tx2"/>
+                </a:solidFill>
+              </a:defRPr>
+            </a:lvl5pPr>
+            <a:lvl6pPr eaLnBrk="1" hangingPunct="1">
+              <a:defRPr>
+                <a:solidFill>
+                  <a:schemeClr val="tx2"/>
+                </a:solidFill>
+              </a:defRPr>
+            </a:lvl6pPr>
+            <a:lvl7pPr eaLnBrk="1" hangingPunct="1">
+              <a:defRPr>
+                <a:solidFill>
+                  <a:schemeClr val="tx2"/>
+                </a:solidFill>
+              </a:defRPr>
+            </a:lvl7pPr>
+            <a:lvl8pPr eaLnBrk="1" hangingPunct="1">
+              <a:defRPr>
+                <a:solidFill>
+                  <a:schemeClr val="tx2"/>
+                </a:solidFill>
+              </a:defRPr>
+            </a:lvl8pPr>
+            <a:lvl9pPr eaLnBrk="1" hangingPunct="1">
+              <a:defRPr>
+                <a:solidFill>
+                  <a:schemeClr val="tx2"/>
+                </a:solidFill>
+              </a:defRPr>
+            </a:lvl9pPr>
+          </a:lstStyle>
+          <a:p>
+            <a:pPr algn="ctr"/>
+            <a:r>
+              <a:rPr lang="en-US" sz="4000" b="1" i="1" dirty="0"/>
+              <a:t>Comedy</a:t>
+            </a:r>
+          </a:p>
+        </p:txBody>
+      </p:sp>
+      <p:pic>
+        <p:nvPicPr>
+          <p:cNvPr id="5" name="Online Media 4" descr="Best Arrested Development Scene Ever">
+            <a:hlinkClick r:id="" action="ppaction://media"/>
+            <a:extLst>
+              <a:ext uri="{FF2B5EF4-FFF2-40B4-BE49-F238E27FC236}">
+                <a16:creationId xmlns:a16="http://schemas.microsoft.com/office/drawing/2014/main" id="{2B65D617-E330-F444-B478-2B91D6E9EDC9}"/>
+              </a:ext>
+            </a:extLst>
+          </p:cNvPr>
+          <p:cNvPicPr>
+            <a:picLocks noRot="1" noChangeAspect="1"/>
+          </p:cNvPicPr>
+          <p:nvPr>
+            <a:videoFile r:link="rId1"/>
+          </p:nvPr>
+        </p:nvPicPr>
+        <p:blipFill>
+          <a:blip r:embed="rId3"/>
+          <a:stretch>
+            <a:fillRect/>
+          </a:stretch>
+        </p:blipFill>
+        <p:spPr>
+          <a:xfrm>
+            <a:off x="3179762" y="2092511"/>
+            <a:ext cx="5829300" cy="4368800"/>
+          </a:xfrm>
+          <a:prstGeom prst="rect">
+            <a:avLst/>
+          </a:prstGeom>
+        </p:spPr>
+      </p:pic>
+    </p:spTree>
+    <p:extLst>
+      <p:ext uri="{BB962C8B-B14F-4D97-AF65-F5344CB8AC3E}">
+        <p14:creationId xmlns:p14="http://schemas.microsoft.com/office/powerpoint/2010/main" val="1627089328"/>
+      </p:ext>
+    </p:extLst>
+  </p:cSld>
+  <p:clrMapOvr>
+    <a:masterClrMapping/>
+  </p:clrMapOvr>
+  <p:timing>
+    <p:tnLst>
+      <p:par>
+        <p:cTn id="1" dur="indefinite" restart="never" nodeType="tmRoot">
+          <p:childTnLst>
+            <p:seq concurrent="1" nextAc="seek">
+              <p:cTn id="2" dur="indefinite" nodeType="mainSeq">
+                <p:childTnLst>
+                  <p:par>
+                    <p:cTn id="3" fill="hold">
+                      <p:stCondLst>
+                        <p:cond delay="indefinite"/>
+                      </p:stCondLst>
+                      <p:childTnLst>
+                        <p:par>
+                          <p:cTn id="4" fill="hold">
+                            <p:stCondLst>
+                              <p:cond delay="0"/>
+                            </p:stCondLst>
+                            <p:childTnLst>
+                              <p:par>
+                                <p:cTn id="5" presetID="1" presetClass="mediacall" presetSubtype="0" fill="hold" nodeType="clickEffect">
+                                  <p:stCondLst>
+                                    <p:cond delay="0"/>
+                                  </p:stCondLst>
+                                  <p:childTnLst>
+                                    <p:cmd type="call" cmd="playFrom(0.0)">
+                                      <p:cBhvr>
+                                        <p:cTn id="6" dur="1" fill="hold"/>
+                                        <p:tgtEl>
+                                          <p:spTgt spid="5"/>
+                                        </p:tgtEl>
+                                      </p:cBhvr>
+                                    </p:cmd>
+                                  </p:childTnLst>
+                                </p:cTn>
+                              </p:par>
+                            </p:childTnLst>
+                          </p:cTn>
+                        </p:par>
+                      </p:childTnLst>
+                    </p:cTn>
+                  </p:par>
+                </p:childTnLst>
+              </p:cTn>
+              <p:prevCondLst>
+                <p:cond evt="onPrev" delay="0">
+                  <p:tgtEl>
+                    <p:sldTgt/>
+                  </p:tgtEl>
+                </p:cond>
+              </p:prevCondLst>
+              <p:nextCondLst>
+                <p:cond evt="onNext" delay="0">
+                  <p:tgtEl>
+                    <p:sldTgt/>
+                  </p:tgtEl>
+                </p:cond>
+              </p:nextCondLst>
+            </p:seq>
+            <p:video>
+              <p:cMediaNode vol="80000">
+                <p:cTn id="7" fill="hold" display="0">
+                  <p:stCondLst>
+                    <p:cond delay="indefinite"/>
+                  </p:stCondLst>
+                </p:cTn>
+                <p:tgtEl>
+                  <p:spTgt spid="5"/>
+                </p:tgtEl>
+              </p:cMediaNode>
+            </p:video>
+            <p:seq concurrent="1" nextAc="seek">
+              <p:cTn id="8" restart="whenNotActive" fill="hold" evtFilter="cancelBubble" nodeType="interactiveSeq">
+                <p:stCondLst>
+                  <p:cond evt="onClick" delay="0">
+                    <p:tgtEl>
+                      <p:spTgt spid="5"/>
+                    </p:tgtEl>
+                  </p:cond>
+                </p:stCondLst>
+                <p:endSync evt="end" delay="0">
+                  <p:rtn val="all"/>
+                </p:endSync>
+                <p:childTnLst>
+                  <p:par>
+                    <p:cTn id="9" fill="hold">
+                      <p:stCondLst>
+                        <p:cond delay="0"/>
+                      </p:stCondLst>
+                      <p:childTnLst>
+                        <p:par>
+                          <p:cTn id="10" fill="hold">
+                            <p:stCondLst>
+                              <p:cond delay="0"/>
+                            </p:stCondLst>
+                            <p:childTnLst>
+                              <p:par>
+                                <p:cTn id="11" presetID="2" presetClass="mediacall" presetSubtype="0" fill="hold" nodeType="clickEffect">
+                                  <p:stCondLst>
+                                    <p:cond delay="0"/>
+                                  </p:stCondLst>
+                                  <p:childTnLst>
+                                    <p:cmd type="call" cmd="togglePause">
+                                      <p:cBhvr>
+                                        <p:cTn id="12" dur="1" fill="hold"/>
+                                        <p:tgtEl>
+                                          <p:spTgt spid="5"/>
+                                        </p:tgtEl>
+                                      </p:cBhvr>
+                                    </p:cmd>
+                                  </p:childTnLst>
+                                </p:cTn>
+                              </p:par>
+                            </p:childTnLst>
+                          </p:cTn>
+                        </p:par>
+                      </p:childTnLst>
+                    </p:cTn>
+                  </p:par>
+                </p:childTnLst>
+              </p:cTn>
+              <p:nextCondLst>
+                <p:cond evt="onClick" delay="0">
+                  <p:tgtEl>
+                    <p:spTgt spid="5"/>
+                  </p:tgtEl>
+                </p:cond>
+              </p:nextCondLst>
+            </p:seq>
+          </p:childTnLst>
+        </p:cTn>
+      </p:par>
+    </p:tnLst>
+  </p:timing>
+</p:sld>
+</file>
+
+<file path=ppt/slides/slide7.xml><?xml version="1.0" encoding="utf-8"?>
+<p:sld xmlns:a="http://schemas.openxmlformats.org/drawingml/2006/main" xmlns:r="http://schemas.openxmlformats.org/officeDocument/2006/relationships" xmlns:p="http://schemas.openxmlformats.org/presentationml/2006/main">
+  <p:cSld>
+    <p:spTree>
+      <p:nvGrpSpPr>
+        <p:cNvPr id="1" name=""/>
+        <p:cNvGrpSpPr/>
+        <p:nvPr/>
+      </p:nvGrpSpPr>
+      <p:grpSpPr>
+        <a:xfrm>
+          <a:off x="0" y="0"/>
+          <a:ext cx="0" cy="0"/>
+          <a:chOff x="0" y="0"/>
+          <a:chExt cx="0" cy="0"/>
+        </a:xfrm>
+      </p:grpSpPr>
+      <p:sp>
+        <p:nvSpPr>
+          <p:cNvPr id="2" name="Title 1">
+            <a:extLst>
+              <a:ext uri="{FF2B5EF4-FFF2-40B4-BE49-F238E27FC236}">
+                <a16:creationId xmlns:a16="http://schemas.microsoft.com/office/drawing/2014/main" id="{B5273F3D-5E57-CA46-BD53-32E97456A248}"/>
+              </a:ext>
+            </a:extLst>
+          </p:cNvPr>
+          <p:cNvSpPr>
+            <a:spLocks noGrp="1"/>
+          </p:cNvSpPr>
+          <p:nvPr>
+            <p:ph type="title"/>
+          </p:nvPr>
+        </p:nvSpPr>
+        <p:spPr>
+          <a:xfrm>
+            <a:off x="1141413" y="-600636"/>
+            <a:ext cx="9905998" cy="1905000"/>
+          </a:xfrm>
+        </p:spPr>
+        <p:txBody>
+          <a:bodyPr>
+            <a:normAutofit/>
+          </a:bodyPr>
+          <a:lstStyle/>
+          <a:p>
+            <a:pPr algn="ctr"/>
+            <a:r>
+              <a:rPr lang="en-US" sz="4000" b="1" dirty="0"/>
+              <a:t>Television Shows:</a:t>
+            </a:r>
+          </a:p>
+        </p:txBody>
+      </p:sp>
+      <p:sp>
+        <p:nvSpPr>
+          <p:cNvPr id="3" name="Content Placeholder 2">
+            <a:extLst>
+              <a:ext uri="{FF2B5EF4-FFF2-40B4-BE49-F238E27FC236}">
+                <a16:creationId xmlns:a16="http://schemas.microsoft.com/office/drawing/2014/main" id="{4AC5970B-8172-A84C-905B-E3B3154AD569}"/>
+              </a:ext>
+            </a:extLst>
+          </p:cNvPr>
+          <p:cNvSpPr>
+            <a:spLocks noGrp="1"/>
+          </p:cNvSpPr>
+          <p:nvPr>
+            <p:ph idx="1"/>
+          </p:nvPr>
+        </p:nvSpPr>
+        <p:spPr>
+          <a:xfrm>
+            <a:off x="1141413" y="1107140"/>
+            <a:ext cx="9905998" cy="5320554"/>
+          </a:xfrm>
+        </p:spPr>
+        <p:txBody>
+          <a:bodyPr>
+            <a:normAutofit/>
+          </a:bodyPr>
+          <a:lstStyle/>
+          <a:p>
+            <a:pPr algn="ctr"/>
+            <a:r>
+              <a:rPr lang="en-US" sz="4000" b="1" i="1" dirty="0">
+                <a:solidFill>
+                  <a:srgbClr val="FF0000"/>
+                </a:solidFill>
+              </a:rPr>
+              <a:t>The good place</a:t>
+            </a:r>
+            <a:br>
+              <a:rPr lang="en-US" sz="4000" b="1" i="1" dirty="0">
+                <a:solidFill>
+                  <a:srgbClr val="FF0000"/>
+                </a:solidFill>
+              </a:rPr>
+            </a:br>
+            <a:br>
+              <a:rPr lang="en-US" sz="4000" b="1" i="1" dirty="0">
+                <a:solidFill>
+                  <a:srgbClr val="FF0000"/>
+                </a:solidFill>
+              </a:rPr>
+            </a:br>
+            <a:br>
+              <a:rPr lang="en-US" sz="4000" b="1" i="1" dirty="0">
+                <a:solidFill>
+                  <a:srgbClr val="FF0000"/>
+                </a:solidFill>
+              </a:rPr>
+            </a:br>
+            <a:br>
+              <a:rPr lang="en-US" sz="4000" b="1" i="1" dirty="0">
+                <a:solidFill>
+                  <a:srgbClr val="FF0000"/>
+                </a:solidFill>
+              </a:rPr>
+            </a:br>
+            <a:br>
+              <a:rPr lang="en-US" sz="4000" b="1" i="1" dirty="0">
+                <a:solidFill>
+                  <a:srgbClr val="FF0000"/>
+                </a:solidFill>
+              </a:rPr>
+            </a:br>
+            <a:br>
+              <a:rPr lang="en-US" sz="4000" b="1" i="1" dirty="0">
+                <a:solidFill>
+                  <a:srgbClr val="FF0000"/>
+                </a:solidFill>
+              </a:rPr>
+            </a:br>
+            <a:br>
+              <a:rPr lang="en-US" sz="4000" b="1" i="1" dirty="0">
+                <a:solidFill>
+                  <a:srgbClr val="FF0000"/>
+                </a:solidFill>
+              </a:rPr>
+            </a:br>
+            <a:endParaRPr lang="en-US" sz="4000" b="1" i="1" dirty="0">
+              <a:solidFill>
+                <a:srgbClr val="FF0000"/>
+              </a:solidFill>
+            </a:endParaRPr>
+          </a:p>
+        </p:txBody>
+      </p:sp>
+      <p:sp>
+        <p:nvSpPr>
+          <p:cNvPr id="4" name="Title 1">
+            <a:extLst>
+              <a:ext uri="{FF2B5EF4-FFF2-40B4-BE49-F238E27FC236}">
+                <a16:creationId xmlns:a16="http://schemas.microsoft.com/office/drawing/2014/main" id="{5EBFDC05-0EBF-2C45-A54D-F0011F7BF225}"/>
+              </a:ext>
+            </a:extLst>
+          </p:cNvPr>
+          <p:cNvSpPr txBox="1">
+            <a:spLocks/>
+          </p:cNvSpPr>
+          <p:nvPr/>
+        </p:nvSpPr>
+        <p:spPr>
+          <a:xfrm>
+            <a:off x="1141413" y="-113386"/>
+            <a:ext cx="9905998" cy="1905000"/>
+          </a:xfrm>
+          <a:prstGeom prst="rect">
+            <a:avLst/>
+          </a:prstGeom>
+        </p:spPr>
+        <p:txBody>
+          <a:bodyPr vert="horz" lIns="91440" tIns="45720" rIns="91440" bIns="45720" rtlCol="0" anchor="ctr">
+            <a:normAutofit/>
+          </a:bodyPr>
+          <a:lstStyle>
+            <a:lvl1pPr algn="l" defTabSz="457200" rtl="0" eaLnBrk="1" latinLnBrk="0" hangingPunct="1">
+              <a:spcBef>
+                <a:spcPct val="0"/>
+              </a:spcBef>
+              <a:buNone/>
+              <a:defRPr sz="3200" kern="1200" cap="all">
+                <a:ln w="3175" cmpd="sng">
+                  <a:noFill/>
+                </a:ln>
+                <a:gradFill flip="none" rotWithShape="1">
+                  <a:gsLst>
+                    <a:gs pos="0">
+                      <a:schemeClr val="tx1"/>
+                    </a:gs>
+                    <a:gs pos="100000">
+                      <a:schemeClr val="tx1">
+                        <a:lumMod val="65000"/>
+                      </a:schemeClr>
+                    </a:gs>
+                  </a:gsLst>
+                  <a:lin ang="5580000" scaled="0"/>
+                  <a:tileRect/>
+                </a:gradFill>
+                <a:effectLst>
+                  <a:glow rad="38100">
+                    <a:schemeClr val="bg1">
+                      <a:lumMod val="65000"/>
+                      <a:lumOff val="35000"/>
+                      <a:alpha val="40000"/>
+                    </a:schemeClr>
+                  </a:glow>
+                  <a:outerShdw blurRad="28575" dist="38100" dir="14040000" algn="tl" rotWithShape="0">
+                    <a:srgbClr val="000000">
+                      <a:alpha val="25000"/>
+                    </a:srgbClr>
+                  </a:outerShdw>
+                </a:effectLst>
+                <a:latin typeface="+mj-lt"/>
+                <a:ea typeface="+mj-ea"/>
+                <a:cs typeface="+mj-cs"/>
+              </a:defRPr>
+            </a:lvl1pPr>
+            <a:lvl2pPr eaLnBrk="1" hangingPunct="1">
+              <a:defRPr>
+                <a:solidFill>
+                  <a:schemeClr val="tx2"/>
+                </a:solidFill>
+              </a:defRPr>
+            </a:lvl2pPr>
+            <a:lvl3pPr eaLnBrk="1" hangingPunct="1">
+              <a:defRPr>
+                <a:solidFill>
+                  <a:schemeClr val="tx2"/>
+                </a:solidFill>
+              </a:defRPr>
+            </a:lvl3pPr>
+            <a:lvl4pPr eaLnBrk="1" hangingPunct="1">
+              <a:defRPr>
+                <a:solidFill>
+                  <a:schemeClr val="tx2"/>
+                </a:solidFill>
+              </a:defRPr>
+            </a:lvl4pPr>
+            <a:lvl5pPr eaLnBrk="1" hangingPunct="1">
+              <a:defRPr>
+                <a:solidFill>
+                  <a:schemeClr val="tx2"/>
+                </a:solidFill>
+              </a:defRPr>
+            </a:lvl5pPr>
+            <a:lvl6pPr eaLnBrk="1" hangingPunct="1">
+              <a:defRPr>
+                <a:solidFill>
+                  <a:schemeClr val="tx2"/>
+                </a:solidFill>
+              </a:defRPr>
+            </a:lvl6pPr>
+            <a:lvl7pPr eaLnBrk="1" hangingPunct="1">
+              <a:defRPr>
+                <a:solidFill>
+                  <a:schemeClr val="tx2"/>
+                </a:solidFill>
+              </a:defRPr>
+            </a:lvl7pPr>
+            <a:lvl8pPr eaLnBrk="1" hangingPunct="1">
+              <a:defRPr>
+                <a:solidFill>
+                  <a:schemeClr val="tx2"/>
+                </a:solidFill>
+              </a:defRPr>
+            </a:lvl8pPr>
+            <a:lvl9pPr eaLnBrk="1" hangingPunct="1">
+              <a:defRPr>
+                <a:solidFill>
+                  <a:schemeClr val="tx2"/>
+                </a:solidFill>
+              </a:defRPr>
+            </a:lvl9pPr>
+          </a:lstStyle>
+          <a:p>
+            <a:pPr algn="ctr"/>
+            <a:r>
+              <a:rPr lang="en-US" sz="4000" b="1" i="1" dirty="0"/>
+              <a:t>Comedy</a:t>
+            </a:r>
+          </a:p>
+        </p:txBody>
+      </p:sp>
+      <p:pic>
+        <p:nvPicPr>
+          <p:cNvPr id="6" name="Online Media 5" descr="The Good Place - Funny Moments **SPOILERS!!**">
+            <a:hlinkClick r:id="" action="ppaction://media"/>
+            <a:extLst>
+              <a:ext uri="{FF2B5EF4-FFF2-40B4-BE49-F238E27FC236}">
+                <a16:creationId xmlns:a16="http://schemas.microsoft.com/office/drawing/2014/main" id="{7A6B4296-6AF5-2648-AB5E-C871CF1FBF04}"/>
+              </a:ext>
+            </a:extLst>
+          </p:cNvPr>
+          <p:cNvPicPr>
+            <a:picLocks noRot="1" noChangeAspect="1"/>
+          </p:cNvPicPr>
+          <p:nvPr>
+            <a:videoFile r:link="rId1"/>
+          </p:nvPr>
+        </p:nvPicPr>
+        <p:blipFill>
+          <a:blip r:embed="rId3"/>
+          <a:stretch>
+            <a:fillRect/>
+          </a:stretch>
+        </p:blipFill>
+        <p:spPr>
+          <a:xfrm>
+            <a:off x="2487612" y="2370044"/>
+            <a:ext cx="7213600" cy="4057650"/>
+          </a:xfrm>
+          <a:prstGeom prst="rect">
+            <a:avLst/>
+          </a:prstGeom>
+        </p:spPr>
+      </p:pic>
+    </p:spTree>
+    <p:extLst>
+      <p:ext uri="{BB962C8B-B14F-4D97-AF65-F5344CB8AC3E}">
+        <p14:creationId xmlns:p14="http://schemas.microsoft.com/office/powerpoint/2010/main" val="1852999323"/>
+      </p:ext>
+    </p:extLst>
+  </p:cSld>
+  <p:clrMapOvr>
+    <a:masterClrMapping/>
+  </p:clrMapOvr>
+  <p:timing>
+    <p:tnLst>
+      <p:par>
+        <p:cTn id="1" dur="indefinite" restart="never" nodeType="tmRoot">
+          <p:childTnLst>
+            <p:seq concurrent="1" nextAc="seek">
+              <p:cTn id="2" dur="indefinite" nodeType="mainSeq">
+                <p:childTnLst>
+                  <p:par>
+                    <p:cTn id="3" fill="hold">
+                      <p:stCondLst>
+                        <p:cond delay="indefinite"/>
+                      </p:stCondLst>
+                      <p:childTnLst>
+                        <p:par>
+                          <p:cTn id="4" fill="hold">
+                            <p:stCondLst>
+                              <p:cond delay="0"/>
+                            </p:stCondLst>
+                            <p:childTnLst>
+                              <p:par>
+                                <p:cTn id="5" presetID="1" presetClass="mediacall" presetSubtype="0" fill="hold" nodeType="clickEffect">
+                                  <p:stCondLst>
+                                    <p:cond delay="0"/>
+                                  </p:stCondLst>
+                                  <p:childTnLst>
+                                    <p:cmd type="call" cmd="playFrom(0.0)">
+                                      <p:cBhvr>
+                                        <p:cTn id="6" dur="1" fill="hold"/>
+                                        <p:tgtEl>
+                                          <p:spTgt spid="6"/>
+                                        </p:tgtEl>
+                                      </p:cBhvr>
+                                    </p:cmd>
+                                  </p:childTnLst>
+                                </p:cTn>
+                              </p:par>
+                            </p:childTnLst>
+                          </p:cTn>
+                        </p:par>
+                      </p:childTnLst>
+                    </p:cTn>
+                  </p:par>
+                </p:childTnLst>
+              </p:cTn>
+              <p:prevCondLst>
+                <p:cond evt="onPrev" delay="0">
+                  <p:tgtEl>
+                    <p:sldTgt/>
+                  </p:tgtEl>
+                </p:cond>
+              </p:prevCondLst>
+              <p:nextCondLst>
+                <p:cond evt="onNext" delay="0">
+                  <p:tgtEl>
+                    <p:sldTgt/>
+                  </p:tgtEl>
+                </p:cond>
+              </p:nextCondLst>
+            </p:seq>
+            <p:video>
+              <p:cMediaNode vol="80000">
+                <p:cTn id="7" fill="hold" display="0">
+                  <p:stCondLst>
+                    <p:cond delay="indefinite"/>
+                  </p:stCondLst>
+                </p:cTn>
+                <p:tgtEl>
+                  <p:spTgt spid="6"/>
+                </p:tgtEl>
+              </p:cMediaNode>
+            </p:video>
+            <p:seq concurrent="1" nextAc="seek">
+              <p:cTn id="8" restart="whenNotActive" fill="hold" evtFilter="cancelBubble" nodeType="interactiveSeq">
+                <p:stCondLst>
+                  <p:cond evt="onClick" delay="0">
+                    <p:tgtEl>
+                      <p:spTgt spid="6"/>
+                    </p:tgtEl>
+                  </p:cond>
+                </p:stCondLst>
+                <p:endSync evt="end" delay="0">
+                  <p:rtn val="all"/>
+                </p:endSync>
+                <p:childTnLst>
+                  <p:par>
+                    <p:cTn id="9" fill="hold">
+                      <p:stCondLst>
+                        <p:cond delay="0"/>
+                      </p:stCondLst>
+                      <p:childTnLst>
+                        <p:par>
+                          <p:cTn id="10" fill="hold">
+                            <p:stCondLst>
+                              <p:cond delay="0"/>
+                            </p:stCondLst>
+                            <p:childTnLst>
+                              <p:par>
+                                <p:cTn id="11" presetID="2" presetClass="mediacall" presetSubtype="0" fill="hold" nodeType="clickEffect">
+                                  <p:stCondLst>
+                                    <p:cond delay="0"/>
+                                  </p:stCondLst>
+                                  <p:childTnLst>
+                                    <p:cmd type="call" cmd="togglePause">
+                                      <p:cBhvr>
+                                        <p:cTn id="12" dur="1" fill="hold"/>
+                                        <p:tgtEl>
+                                          <p:spTgt spid="6"/>
+                                        </p:tgtEl>
+                                      </p:cBhvr>
+                                    </p:cmd>
+                                  </p:childTnLst>
+                                </p:cTn>
+                              </p:par>
+                            </p:childTnLst>
+                          </p:cTn>
+                        </p:par>
+                      </p:childTnLst>
+                    </p:cTn>
+                  </p:par>
+                </p:childTnLst>
+              </p:cTn>
+              <p:nextCondLst>
+                <p:cond evt="onClick" delay="0">
+                  <p:tgtEl>
+                    <p:spTgt spid="6"/>
+                  </p:tgtEl>
+                </p:cond>
+              </p:nextCondLst>
+            </p:seq>
+          </p:childTnLst>
+        </p:cTn>
+      </p:par>
+    </p:tnLst>
+  </p:timing>
 </p:sld>
 </file>
 
